--- a/DirectX/DirectX45/GameEngineBase/프로토콜설명.pptx
+++ b/DirectX/DirectX45/GameEngineBase/프로토콜설명.pptx
@@ -4,8 +4,12 @@
   <p:sldMasterIdLst>
     <p:sldMasterId id="2147483648" r:id="rId1"/>
   </p:sldMasterIdLst>
+  <p:notesMasterIdLst>
+    <p:notesMasterId r:id="rId4"/>
+  </p:notesMasterIdLst>
   <p:sldIdLst>
     <p:sldId id="256" r:id="rId2"/>
+    <p:sldId id="257" r:id="rId3"/>
   </p:sldIdLst>
   <p:sldSz cx="12192000" cy="6858000"/>
   <p:notesSz cx="6858000" cy="9144000"/>
@@ -104,7 +108,529 @@
       </a:defRPr>
     </a:lvl9pPr>
   </p:defaultTextStyle>
+  <p:extLst>
+    <p:ext uri="{EFAFB233-063F-42B5-8137-9DF3F51BA10A}">
+      <p15:sldGuideLst xmlns:p15="http://schemas.microsoft.com/office/powerpoint/2012/main"/>
+    </p:ext>
+  </p:extLst>
 </p:presentation>
+</file>
+
+<file path=ppt/notesMasters/notesMaster1.xml><?xml version="1.0" encoding="utf-8"?>
+<p:notesMaster xmlns:a="http://schemas.openxmlformats.org/drawingml/2006/main" xmlns:r="http://schemas.openxmlformats.org/officeDocument/2006/relationships" xmlns:p="http://schemas.openxmlformats.org/presentationml/2006/main">
+  <p:cSld>
+    <p:bg>
+      <p:bgRef idx="1001">
+        <a:schemeClr val="bg1"/>
+      </p:bgRef>
+    </p:bg>
+    <p:spTree>
+      <p:nvGrpSpPr>
+        <p:cNvPr id="1" name=""/>
+        <p:cNvGrpSpPr/>
+        <p:nvPr/>
+      </p:nvGrpSpPr>
+      <p:grpSpPr>
+        <a:xfrm>
+          <a:off x="0" y="0"/>
+          <a:ext cx="0" cy="0"/>
+          <a:chOff x="0" y="0"/>
+          <a:chExt cx="0" cy="0"/>
+        </a:xfrm>
+      </p:grpSpPr>
+      <p:sp>
+        <p:nvSpPr>
+          <p:cNvPr id="2" name="머리글 개체 틀 1"/>
+          <p:cNvSpPr>
+            <a:spLocks noGrp="1"/>
+          </p:cNvSpPr>
+          <p:nvPr>
+            <p:ph type="hdr" sz="quarter"/>
+          </p:nvPr>
+        </p:nvSpPr>
+        <p:spPr>
+          <a:xfrm>
+            <a:off x="0" y="0"/>
+            <a:ext cx="2971800" cy="458788"/>
+          </a:xfrm>
+          <a:prstGeom prst="rect">
+            <a:avLst/>
+          </a:prstGeom>
+        </p:spPr>
+        <p:txBody>
+          <a:bodyPr vert="horz" lIns="91440" tIns="45720" rIns="91440" bIns="45720" rtlCol="0"/>
+          <a:lstStyle>
+            <a:lvl1pPr algn="l">
+              <a:defRPr sz="1200"/>
+            </a:lvl1pPr>
+          </a:lstStyle>
+          <a:p>
+            <a:endParaRPr lang="ko-KR" altLang="en-US"/>
+          </a:p>
+        </p:txBody>
+      </p:sp>
+      <p:sp>
+        <p:nvSpPr>
+          <p:cNvPr id="3" name="날짜 개체 틀 2"/>
+          <p:cNvSpPr>
+            <a:spLocks noGrp="1"/>
+          </p:cNvSpPr>
+          <p:nvPr>
+            <p:ph type="dt" idx="1"/>
+          </p:nvPr>
+        </p:nvSpPr>
+        <p:spPr>
+          <a:xfrm>
+            <a:off x="3884613" y="0"/>
+            <a:ext cx="2971800" cy="458788"/>
+          </a:xfrm>
+          <a:prstGeom prst="rect">
+            <a:avLst/>
+          </a:prstGeom>
+        </p:spPr>
+        <p:txBody>
+          <a:bodyPr vert="horz" lIns="91440" tIns="45720" rIns="91440" bIns="45720" rtlCol="0"/>
+          <a:lstStyle>
+            <a:lvl1pPr algn="r">
+              <a:defRPr sz="1200"/>
+            </a:lvl1pPr>
+          </a:lstStyle>
+          <a:p>
+            <a:fld id="{4DC07AE9-5074-4EFA-9135-F2901B3FBF6E}" type="datetimeFigureOut">
+              <a:rPr lang="ko-KR" altLang="en-US" smtClean="0"/>
+              <a:t>2023-08-11</a:t>
+            </a:fld>
+            <a:endParaRPr lang="ko-KR" altLang="en-US"/>
+          </a:p>
+        </p:txBody>
+      </p:sp>
+      <p:sp>
+        <p:nvSpPr>
+          <p:cNvPr id="4" name="슬라이드 이미지 개체 틀 3"/>
+          <p:cNvSpPr>
+            <a:spLocks noGrp="1" noRot="1" noChangeAspect="1"/>
+          </p:cNvSpPr>
+          <p:nvPr>
+            <p:ph type="sldImg" idx="2"/>
+          </p:nvPr>
+        </p:nvSpPr>
+        <p:spPr>
+          <a:xfrm>
+            <a:off x="685800" y="1143000"/>
+            <a:ext cx="5486400" cy="3086100"/>
+          </a:xfrm>
+          <a:prstGeom prst="rect">
+            <a:avLst/>
+          </a:prstGeom>
+          <a:noFill/>
+          <a:ln w="12700">
+            <a:solidFill>
+              <a:prstClr val="black"/>
+            </a:solidFill>
+          </a:ln>
+        </p:spPr>
+        <p:txBody>
+          <a:bodyPr vert="horz" lIns="91440" tIns="45720" rIns="91440" bIns="45720" rtlCol="0" anchor="ctr"/>
+          <a:lstStyle/>
+          <a:p>
+            <a:endParaRPr lang="ko-KR" altLang="en-US"/>
+          </a:p>
+        </p:txBody>
+      </p:sp>
+      <p:sp>
+        <p:nvSpPr>
+          <p:cNvPr id="5" name="슬라이드 노트 개체 틀 4"/>
+          <p:cNvSpPr>
+            <a:spLocks noGrp="1"/>
+          </p:cNvSpPr>
+          <p:nvPr>
+            <p:ph type="body" sz="quarter" idx="3"/>
+          </p:nvPr>
+        </p:nvSpPr>
+        <p:spPr>
+          <a:xfrm>
+            <a:off x="685800" y="4400550"/>
+            <a:ext cx="5486400" cy="3600450"/>
+          </a:xfrm>
+          <a:prstGeom prst="rect">
+            <a:avLst/>
+          </a:prstGeom>
+        </p:spPr>
+        <p:txBody>
+          <a:bodyPr vert="horz" lIns="91440" tIns="45720" rIns="91440" bIns="45720" rtlCol="0"/>
+          <a:lstStyle/>
+          <a:p>
+            <a:pPr lvl="0"/>
+            <a:r>
+              <a:rPr lang="ko-KR" altLang="en-US"/>
+              <a:t>마스터 텍스트 스타일을 편집하려면 클릭</a:t>
+            </a:r>
+          </a:p>
+          <a:p>
+            <a:pPr lvl="1"/>
+            <a:r>
+              <a:rPr lang="ko-KR" altLang="en-US"/>
+              <a:t>두 번째 수준</a:t>
+            </a:r>
+          </a:p>
+          <a:p>
+            <a:pPr lvl="2"/>
+            <a:r>
+              <a:rPr lang="ko-KR" altLang="en-US"/>
+              <a:t>세 번째 수준</a:t>
+            </a:r>
+          </a:p>
+          <a:p>
+            <a:pPr lvl="3"/>
+            <a:r>
+              <a:rPr lang="ko-KR" altLang="en-US"/>
+              <a:t>네 번째 수준</a:t>
+            </a:r>
+          </a:p>
+          <a:p>
+            <a:pPr lvl="4"/>
+            <a:r>
+              <a:rPr lang="ko-KR" altLang="en-US"/>
+              <a:t>다섯 번째 수준</a:t>
+            </a:r>
+          </a:p>
+        </p:txBody>
+      </p:sp>
+      <p:sp>
+        <p:nvSpPr>
+          <p:cNvPr id="6" name="바닥글 개체 틀 5"/>
+          <p:cNvSpPr>
+            <a:spLocks noGrp="1"/>
+          </p:cNvSpPr>
+          <p:nvPr>
+            <p:ph type="ftr" sz="quarter" idx="4"/>
+          </p:nvPr>
+        </p:nvSpPr>
+        <p:spPr>
+          <a:xfrm>
+            <a:off x="0" y="8685213"/>
+            <a:ext cx="2971800" cy="458787"/>
+          </a:xfrm>
+          <a:prstGeom prst="rect">
+            <a:avLst/>
+          </a:prstGeom>
+        </p:spPr>
+        <p:txBody>
+          <a:bodyPr vert="horz" lIns="91440" tIns="45720" rIns="91440" bIns="45720" rtlCol="0" anchor="b"/>
+          <a:lstStyle>
+            <a:lvl1pPr algn="l">
+              <a:defRPr sz="1200"/>
+            </a:lvl1pPr>
+          </a:lstStyle>
+          <a:p>
+            <a:endParaRPr lang="ko-KR" altLang="en-US"/>
+          </a:p>
+        </p:txBody>
+      </p:sp>
+      <p:sp>
+        <p:nvSpPr>
+          <p:cNvPr id="7" name="슬라이드 번호 개체 틀 6"/>
+          <p:cNvSpPr>
+            <a:spLocks noGrp="1"/>
+          </p:cNvSpPr>
+          <p:nvPr>
+            <p:ph type="sldNum" sz="quarter" idx="5"/>
+          </p:nvPr>
+        </p:nvSpPr>
+        <p:spPr>
+          <a:xfrm>
+            <a:off x="3884613" y="8685213"/>
+            <a:ext cx="2971800" cy="458787"/>
+          </a:xfrm>
+          <a:prstGeom prst="rect">
+            <a:avLst/>
+          </a:prstGeom>
+        </p:spPr>
+        <p:txBody>
+          <a:bodyPr vert="horz" lIns="91440" tIns="45720" rIns="91440" bIns="45720" rtlCol="0" anchor="b"/>
+          <a:lstStyle>
+            <a:lvl1pPr algn="r">
+              <a:defRPr sz="1200"/>
+            </a:lvl1pPr>
+          </a:lstStyle>
+          <a:p>
+            <a:fld id="{29A529C6-0A9B-43DE-B7D3-54C2BCAC55B6}" type="slidenum">
+              <a:rPr lang="ko-KR" altLang="en-US" smtClean="0"/>
+              <a:t>‹#›</a:t>
+            </a:fld>
+            <a:endParaRPr lang="ko-KR" altLang="en-US"/>
+          </a:p>
+        </p:txBody>
+      </p:sp>
+    </p:spTree>
+    <p:extLst>
+      <p:ext uri="{BB962C8B-B14F-4D97-AF65-F5344CB8AC3E}">
+        <p14:creationId xmlns:p14="http://schemas.microsoft.com/office/powerpoint/2010/main" val="1775025137"/>
+      </p:ext>
+    </p:extLst>
+  </p:cSld>
+  <p:clrMap bg1="lt1" tx1="dk1" bg2="lt2" tx2="dk2" accent1="accent1" accent2="accent2" accent3="accent3" accent4="accent4" accent5="accent5" accent6="accent6" hlink="hlink" folHlink="folHlink"/>
+  <p:notesStyle>
+    <a:lvl1pPr marL="0" algn="l" defTabSz="914400" rtl="0" eaLnBrk="1" latinLnBrk="1" hangingPunct="1">
+      <a:defRPr sz="1200" kern="1200">
+        <a:solidFill>
+          <a:schemeClr val="tx1"/>
+        </a:solidFill>
+        <a:latin typeface="+mn-lt"/>
+        <a:ea typeface="+mn-ea"/>
+        <a:cs typeface="+mn-cs"/>
+      </a:defRPr>
+    </a:lvl1pPr>
+    <a:lvl2pPr marL="457200" algn="l" defTabSz="914400" rtl="0" eaLnBrk="1" latinLnBrk="1" hangingPunct="1">
+      <a:defRPr sz="1200" kern="1200">
+        <a:solidFill>
+          <a:schemeClr val="tx1"/>
+        </a:solidFill>
+        <a:latin typeface="+mn-lt"/>
+        <a:ea typeface="+mn-ea"/>
+        <a:cs typeface="+mn-cs"/>
+      </a:defRPr>
+    </a:lvl2pPr>
+    <a:lvl3pPr marL="914400" algn="l" defTabSz="914400" rtl="0" eaLnBrk="1" latinLnBrk="1" hangingPunct="1">
+      <a:defRPr sz="1200" kern="1200">
+        <a:solidFill>
+          <a:schemeClr val="tx1"/>
+        </a:solidFill>
+        <a:latin typeface="+mn-lt"/>
+        <a:ea typeface="+mn-ea"/>
+        <a:cs typeface="+mn-cs"/>
+      </a:defRPr>
+    </a:lvl3pPr>
+    <a:lvl4pPr marL="1371600" algn="l" defTabSz="914400" rtl="0" eaLnBrk="1" latinLnBrk="1" hangingPunct="1">
+      <a:defRPr sz="1200" kern="1200">
+        <a:solidFill>
+          <a:schemeClr val="tx1"/>
+        </a:solidFill>
+        <a:latin typeface="+mn-lt"/>
+        <a:ea typeface="+mn-ea"/>
+        <a:cs typeface="+mn-cs"/>
+      </a:defRPr>
+    </a:lvl4pPr>
+    <a:lvl5pPr marL="1828800" algn="l" defTabSz="914400" rtl="0" eaLnBrk="1" latinLnBrk="1" hangingPunct="1">
+      <a:defRPr sz="1200" kern="1200">
+        <a:solidFill>
+          <a:schemeClr val="tx1"/>
+        </a:solidFill>
+        <a:latin typeface="+mn-lt"/>
+        <a:ea typeface="+mn-ea"/>
+        <a:cs typeface="+mn-cs"/>
+      </a:defRPr>
+    </a:lvl5pPr>
+    <a:lvl6pPr marL="2286000" algn="l" defTabSz="914400" rtl="0" eaLnBrk="1" latinLnBrk="1" hangingPunct="1">
+      <a:defRPr sz="1200" kern="1200">
+        <a:solidFill>
+          <a:schemeClr val="tx1"/>
+        </a:solidFill>
+        <a:latin typeface="+mn-lt"/>
+        <a:ea typeface="+mn-ea"/>
+        <a:cs typeface="+mn-cs"/>
+      </a:defRPr>
+    </a:lvl6pPr>
+    <a:lvl7pPr marL="2743200" algn="l" defTabSz="914400" rtl="0" eaLnBrk="1" latinLnBrk="1" hangingPunct="1">
+      <a:defRPr sz="1200" kern="1200">
+        <a:solidFill>
+          <a:schemeClr val="tx1"/>
+        </a:solidFill>
+        <a:latin typeface="+mn-lt"/>
+        <a:ea typeface="+mn-ea"/>
+        <a:cs typeface="+mn-cs"/>
+      </a:defRPr>
+    </a:lvl7pPr>
+    <a:lvl8pPr marL="3200400" algn="l" defTabSz="914400" rtl="0" eaLnBrk="1" latinLnBrk="1" hangingPunct="1">
+      <a:defRPr sz="1200" kern="1200">
+        <a:solidFill>
+          <a:schemeClr val="tx1"/>
+        </a:solidFill>
+        <a:latin typeface="+mn-lt"/>
+        <a:ea typeface="+mn-ea"/>
+        <a:cs typeface="+mn-cs"/>
+      </a:defRPr>
+    </a:lvl8pPr>
+    <a:lvl9pPr marL="3657600" algn="l" defTabSz="914400" rtl="0" eaLnBrk="1" latinLnBrk="1" hangingPunct="1">
+      <a:defRPr sz="1200" kern="1200">
+        <a:solidFill>
+          <a:schemeClr val="tx1"/>
+        </a:solidFill>
+        <a:latin typeface="+mn-lt"/>
+        <a:ea typeface="+mn-ea"/>
+        <a:cs typeface="+mn-cs"/>
+      </a:defRPr>
+    </a:lvl9pPr>
+  </p:notesStyle>
+</p:notesMaster>
+</file>
+
+<file path=ppt/notesSlides/notesSlide1.xml><?xml version="1.0" encoding="utf-8"?>
+<p:notes xmlns:a="http://schemas.openxmlformats.org/drawingml/2006/main" xmlns:r="http://schemas.openxmlformats.org/officeDocument/2006/relationships" xmlns:p="http://schemas.openxmlformats.org/presentationml/2006/main">
+  <p:cSld>
+    <p:spTree>
+      <p:nvGrpSpPr>
+        <p:cNvPr id="1" name=""/>
+        <p:cNvGrpSpPr/>
+        <p:nvPr/>
+      </p:nvGrpSpPr>
+      <p:grpSpPr>
+        <a:xfrm>
+          <a:off x="0" y="0"/>
+          <a:ext cx="0" cy="0"/>
+          <a:chOff x="0" y="0"/>
+          <a:chExt cx="0" cy="0"/>
+        </a:xfrm>
+      </p:grpSpPr>
+      <p:sp>
+        <p:nvSpPr>
+          <p:cNvPr id="2" name="슬라이드 이미지 개체 틀 1"/>
+          <p:cNvSpPr>
+            <a:spLocks noGrp="1" noRot="1" noChangeAspect="1"/>
+          </p:cNvSpPr>
+          <p:nvPr>
+            <p:ph type="sldImg"/>
+          </p:nvPr>
+        </p:nvSpPr>
+        <p:spPr/>
+      </p:sp>
+      <p:sp>
+        <p:nvSpPr>
+          <p:cNvPr id="3" name="슬라이드 노트 개체 틀 2"/>
+          <p:cNvSpPr>
+            <a:spLocks noGrp="1"/>
+          </p:cNvSpPr>
+          <p:nvPr>
+            <p:ph type="body" idx="1"/>
+          </p:nvPr>
+        </p:nvSpPr>
+        <p:spPr/>
+        <p:txBody>
+          <a:bodyPr/>
+          <a:lstStyle/>
+          <a:p>
+            <a:endParaRPr lang="ko-KR" altLang="en-US" dirty="0"/>
+          </a:p>
+        </p:txBody>
+      </p:sp>
+      <p:sp>
+        <p:nvSpPr>
+          <p:cNvPr id="4" name="슬라이드 번호 개체 틀 3"/>
+          <p:cNvSpPr>
+            <a:spLocks noGrp="1"/>
+          </p:cNvSpPr>
+          <p:nvPr>
+            <p:ph type="sldNum" sz="quarter" idx="5"/>
+          </p:nvPr>
+        </p:nvSpPr>
+        <p:spPr/>
+        <p:txBody>
+          <a:bodyPr/>
+          <a:lstStyle/>
+          <a:p>
+            <a:fld id="{29A529C6-0A9B-43DE-B7D3-54C2BCAC55B6}" type="slidenum">
+              <a:rPr lang="ko-KR" altLang="en-US" smtClean="0"/>
+              <a:t>1</a:t>
+            </a:fld>
+            <a:endParaRPr lang="ko-KR" altLang="en-US"/>
+          </a:p>
+        </p:txBody>
+      </p:sp>
+    </p:spTree>
+    <p:extLst>
+      <p:ext uri="{BB962C8B-B14F-4D97-AF65-F5344CB8AC3E}">
+        <p14:creationId xmlns:p14="http://schemas.microsoft.com/office/powerpoint/2010/main" val="2784334842"/>
+      </p:ext>
+    </p:extLst>
+  </p:cSld>
+  <p:clrMapOvr>
+    <a:masterClrMapping/>
+  </p:clrMapOvr>
+</p:notes>
+</file>
+
+<file path=ppt/notesSlides/notesSlide2.xml><?xml version="1.0" encoding="utf-8"?>
+<p:notes xmlns:a="http://schemas.openxmlformats.org/drawingml/2006/main" xmlns:r="http://schemas.openxmlformats.org/officeDocument/2006/relationships" xmlns:p="http://schemas.openxmlformats.org/presentationml/2006/main">
+  <p:cSld>
+    <p:spTree>
+      <p:nvGrpSpPr>
+        <p:cNvPr id="1" name=""/>
+        <p:cNvGrpSpPr/>
+        <p:nvPr/>
+      </p:nvGrpSpPr>
+      <p:grpSpPr>
+        <a:xfrm>
+          <a:off x="0" y="0"/>
+          <a:ext cx="0" cy="0"/>
+          <a:chOff x="0" y="0"/>
+          <a:chExt cx="0" cy="0"/>
+        </a:xfrm>
+      </p:grpSpPr>
+      <p:sp>
+        <p:nvSpPr>
+          <p:cNvPr id="2" name="슬라이드 이미지 개체 틀 1"/>
+          <p:cNvSpPr>
+            <a:spLocks noGrp="1" noRot="1" noChangeAspect="1"/>
+          </p:cNvSpPr>
+          <p:nvPr>
+            <p:ph type="sldImg"/>
+          </p:nvPr>
+        </p:nvSpPr>
+        <p:spPr/>
+      </p:sp>
+      <p:sp>
+        <p:nvSpPr>
+          <p:cNvPr id="3" name="슬라이드 노트 개체 틀 2"/>
+          <p:cNvSpPr>
+            <a:spLocks noGrp="1"/>
+          </p:cNvSpPr>
+          <p:nvPr>
+            <p:ph type="body" idx="1"/>
+          </p:nvPr>
+        </p:nvSpPr>
+        <p:spPr/>
+        <p:txBody>
+          <a:bodyPr/>
+          <a:lstStyle/>
+          <a:p>
+            <a:endParaRPr lang="ko-KR" altLang="en-US" dirty="0"/>
+          </a:p>
+        </p:txBody>
+      </p:sp>
+      <p:sp>
+        <p:nvSpPr>
+          <p:cNvPr id="4" name="슬라이드 번호 개체 틀 3"/>
+          <p:cNvSpPr>
+            <a:spLocks noGrp="1"/>
+          </p:cNvSpPr>
+          <p:nvPr>
+            <p:ph type="sldNum" sz="quarter" idx="5"/>
+          </p:nvPr>
+        </p:nvSpPr>
+        <p:spPr/>
+        <p:txBody>
+          <a:bodyPr/>
+          <a:lstStyle/>
+          <a:p>
+            <a:fld id="{29A529C6-0A9B-43DE-B7D3-54C2BCAC55B6}" type="slidenum">
+              <a:rPr lang="ko-KR" altLang="en-US" smtClean="0"/>
+              <a:t>2</a:t>
+            </a:fld>
+            <a:endParaRPr lang="ko-KR" altLang="en-US"/>
+          </a:p>
+        </p:txBody>
+      </p:sp>
+    </p:spTree>
+    <p:extLst>
+      <p:ext uri="{BB962C8B-B14F-4D97-AF65-F5344CB8AC3E}">
+        <p14:creationId xmlns:p14="http://schemas.microsoft.com/office/powerpoint/2010/main" val="2183033634"/>
+      </p:ext>
+    </p:extLst>
+  </p:cSld>
+  <p:clrMapOvr>
+    <a:masterClrMapping/>
+  </p:clrMapOvr>
+</p:notes>
 </file>
 
 <file path=ppt/slideLayouts/slideLayout1.xml><?xml version="1.0" encoding="utf-8"?>
@@ -254,7 +780,7 @@
           <a:p>
             <a:fld id="{9E772A1D-6D26-4632-B199-82DBF51E0BD5}" type="datetimeFigureOut">
               <a:rPr lang="ko-KR" altLang="en-US" smtClean="0"/>
-              <a:t>2023-08-10</a:t>
+              <a:t>2023-08-11</a:t>
             </a:fld>
             <a:endParaRPr lang="ko-KR" altLang="en-US"/>
           </a:p>
@@ -452,7 +978,7 @@
           <a:p>
             <a:fld id="{9E772A1D-6D26-4632-B199-82DBF51E0BD5}" type="datetimeFigureOut">
               <a:rPr lang="ko-KR" altLang="en-US" smtClean="0"/>
-              <a:t>2023-08-10</a:t>
+              <a:t>2023-08-11</a:t>
             </a:fld>
             <a:endParaRPr lang="ko-KR" altLang="en-US"/>
           </a:p>
@@ -660,7 +1186,7 @@
           <a:p>
             <a:fld id="{9E772A1D-6D26-4632-B199-82DBF51E0BD5}" type="datetimeFigureOut">
               <a:rPr lang="ko-KR" altLang="en-US" smtClean="0"/>
-              <a:t>2023-08-10</a:t>
+              <a:t>2023-08-11</a:t>
             </a:fld>
             <a:endParaRPr lang="ko-KR" altLang="en-US"/>
           </a:p>
@@ -858,7 +1384,7 @@
           <a:p>
             <a:fld id="{9E772A1D-6D26-4632-B199-82DBF51E0BD5}" type="datetimeFigureOut">
               <a:rPr lang="ko-KR" altLang="en-US" smtClean="0"/>
-              <a:t>2023-08-10</a:t>
+              <a:t>2023-08-11</a:t>
             </a:fld>
             <a:endParaRPr lang="ko-KR" altLang="en-US"/>
           </a:p>
@@ -1133,7 +1659,7 @@
           <a:p>
             <a:fld id="{9E772A1D-6D26-4632-B199-82DBF51E0BD5}" type="datetimeFigureOut">
               <a:rPr lang="ko-KR" altLang="en-US" smtClean="0"/>
-              <a:t>2023-08-10</a:t>
+              <a:t>2023-08-11</a:t>
             </a:fld>
             <a:endParaRPr lang="ko-KR" altLang="en-US"/>
           </a:p>
@@ -1398,7 +1924,7 @@
           <a:p>
             <a:fld id="{9E772A1D-6D26-4632-B199-82DBF51E0BD5}" type="datetimeFigureOut">
               <a:rPr lang="ko-KR" altLang="en-US" smtClean="0"/>
-              <a:t>2023-08-10</a:t>
+              <a:t>2023-08-11</a:t>
             </a:fld>
             <a:endParaRPr lang="ko-KR" altLang="en-US"/>
           </a:p>
@@ -1810,7 +2336,7 @@
           <a:p>
             <a:fld id="{9E772A1D-6D26-4632-B199-82DBF51E0BD5}" type="datetimeFigureOut">
               <a:rPr lang="ko-KR" altLang="en-US" smtClean="0"/>
-              <a:t>2023-08-10</a:t>
+              <a:t>2023-08-11</a:t>
             </a:fld>
             <a:endParaRPr lang="ko-KR" altLang="en-US"/>
           </a:p>
@@ -1951,7 +2477,7 @@
           <a:p>
             <a:fld id="{9E772A1D-6D26-4632-B199-82DBF51E0BD5}" type="datetimeFigureOut">
               <a:rPr lang="ko-KR" altLang="en-US" smtClean="0"/>
-              <a:t>2023-08-10</a:t>
+              <a:t>2023-08-11</a:t>
             </a:fld>
             <a:endParaRPr lang="ko-KR" altLang="en-US"/>
           </a:p>
@@ -2064,7 +2590,7 @@
           <a:p>
             <a:fld id="{9E772A1D-6D26-4632-B199-82DBF51E0BD5}" type="datetimeFigureOut">
               <a:rPr lang="ko-KR" altLang="en-US" smtClean="0"/>
-              <a:t>2023-08-10</a:t>
+              <a:t>2023-08-11</a:t>
             </a:fld>
             <a:endParaRPr lang="ko-KR" altLang="en-US"/>
           </a:p>
@@ -2375,7 +2901,7 @@
           <a:p>
             <a:fld id="{9E772A1D-6D26-4632-B199-82DBF51E0BD5}" type="datetimeFigureOut">
               <a:rPr lang="ko-KR" altLang="en-US" smtClean="0"/>
-              <a:t>2023-08-10</a:t>
+              <a:t>2023-08-11</a:t>
             </a:fld>
             <a:endParaRPr lang="ko-KR" altLang="en-US"/>
           </a:p>
@@ -2663,7 +3189,7 @@
           <a:p>
             <a:fld id="{9E772A1D-6D26-4632-B199-82DBF51E0BD5}" type="datetimeFigureOut">
               <a:rPr lang="ko-KR" altLang="en-US" smtClean="0"/>
-              <a:t>2023-08-10</a:t>
+              <a:t>2023-08-11</a:t>
             </a:fld>
             <a:endParaRPr lang="ko-KR" altLang="en-US"/>
           </a:p>
@@ -2904,7 +3430,7 @@
           <a:p>
             <a:fld id="{9E772A1D-6D26-4632-B199-82DBF51E0BD5}" type="datetimeFigureOut">
               <a:rPr lang="ko-KR" altLang="en-US" smtClean="0"/>
-              <a:t>2023-08-10</a:t>
+              <a:t>2023-08-11</a:t>
             </a:fld>
             <a:endParaRPr lang="ko-KR" altLang="en-US"/>
           </a:p>
@@ -3321,10 +3847,1187 @@
           <a:chExt cx="0" cy="0"/>
         </a:xfrm>
       </p:grpSpPr>
+      <p:sp>
+        <p:nvSpPr>
+          <p:cNvPr id="2" name="직사각형 1">
+            <a:extLst>
+              <a:ext uri="{FF2B5EF4-FFF2-40B4-BE49-F238E27FC236}">
+                <a16:creationId xmlns:a16="http://schemas.microsoft.com/office/drawing/2014/main" id="{1A79330F-4380-37BB-4541-A6FC2FF5C0F3}"/>
+              </a:ext>
+            </a:extLst>
+          </p:cNvPr>
+          <p:cNvSpPr/>
+          <p:nvPr/>
+        </p:nvSpPr>
+        <p:spPr>
+          <a:xfrm>
+            <a:off x="2401454" y="55418"/>
+            <a:ext cx="2512291" cy="6747164"/>
+          </a:xfrm>
+          <a:prstGeom prst="rect">
+            <a:avLst/>
+          </a:prstGeom>
+        </p:spPr>
+        <p:style>
+          <a:lnRef idx="2">
+            <a:schemeClr val="accent1">
+              <a:shade val="15000"/>
+            </a:schemeClr>
+          </a:lnRef>
+          <a:fillRef idx="1">
+            <a:schemeClr val="accent1"/>
+          </a:fillRef>
+          <a:effectRef idx="0">
+            <a:schemeClr val="accent1"/>
+          </a:effectRef>
+          <a:fontRef idx="minor">
+            <a:schemeClr val="lt1"/>
+          </a:fontRef>
+        </p:style>
+        <p:txBody>
+          <a:bodyPr rtlCol="0" anchor="ctr"/>
+          <a:lstStyle/>
+          <a:p>
+            <a:pPr algn="ctr"/>
+            <a:endParaRPr lang="ko-KR" altLang="en-US"/>
+          </a:p>
+        </p:txBody>
+      </p:sp>
+      <p:sp>
+        <p:nvSpPr>
+          <p:cNvPr id="3" name="직사각형 2">
+            <a:extLst>
+              <a:ext uri="{FF2B5EF4-FFF2-40B4-BE49-F238E27FC236}">
+                <a16:creationId xmlns:a16="http://schemas.microsoft.com/office/drawing/2014/main" id="{82144430-D691-6393-ECEB-73C3FE2A30C4}"/>
+              </a:ext>
+            </a:extLst>
+          </p:cNvPr>
+          <p:cNvSpPr/>
+          <p:nvPr/>
+        </p:nvSpPr>
+        <p:spPr>
+          <a:xfrm>
+            <a:off x="6857999" y="55418"/>
+            <a:ext cx="2512291" cy="6747164"/>
+          </a:xfrm>
+          <a:prstGeom prst="rect">
+            <a:avLst/>
+          </a:prstGeom>
+        </p:spPr>
+        <p:style>
+          <a:lnRef idx="2">
+            <a:schemeClr val="accent1">
+              <a:shade val="15000"/>
+            </a:schemeClr>
+          </a:lnRef>
+          <a:fillRef idx="1">
+            <a:schemeClr val="accent1"/>
+          </a:fillRef>
+          <a:effectRef idx="0">
+            <a:schemeClr val="accent1"/>
+          </a:effectRef>
+          <a:fontRef idx="minor">
+            <a:schemeClr val="lt1"/>
+          </a:fontRef>
+        </p:style>
+        <p:txBody>
+          <a:bodyPr rtlCol="0" anchor="ctr"/>
+          <a:lstStyle/>
+          <a:p>
+            <a:pPr algn="ctr"/>
+            <a:endParaRPr lang="ko-KR" altLang="en-US"/>
+          </a:p>
+        </p:txBody>
+      </p:sp>
+      <p:sp>
+        <p:nvSpPr>
+          <p:cNvPr id="5" name="직사각형 4">
+            <a:extLst>
+              <a:ext uri="{FF2B5EF4-FFF2-40B4-BE49-F238E27FC236}">
+                <a16:creationId xmlns:a16="http://schemas.microsoft.com/office/drawing/2014/main" id="{CB55F971-8BDB-8741-260E-C94B637B8869}"/>
+              </a:ext>
+            </a:extLst>
+          </p:cNvPr>
+          <p:cNvSpPr/>
+          <p:nvPr/>
+        </p:nvSpPr>
+        <p:spPr>
+          <a:xfrm>
+            <a:off x="7024253" y="147781"/>
+            <a:ext cx="2179782" cy="387928"/>
+          </a:xfrm>
+          <a:prstGeom prst="rect">
+            <a:avLst/>
+          </a:prstGeom>
+        </p:spPr>
+        <p:style>
+          <a:lnRef idx="2">
+            <a:schemeClr val="accent4">
+              <a:shade val="15000"/>
+            </a:schemeClr>
+          </a:lnRef>
+          <a:fillRef idx="1">
+            <a:schemeClr val="accent4"/>
+          </a:fillRef>
+          <a:effectRef idx="0">
+            <a:schemeClr val="accent4"/>
+          </a:effectRef>
+          <a:fontRef idx="minor">
+            <a:schemeClr val="lt1"/>
+          </a:fontRef>
+        </p:style>
+        <p:txBody>
+          <a:bodyPr rtlCol="0" anchor="ctr"/>
+          <a:lstStyle/>
+          <a:p>
+            <a:pPr algn="ctr"/>
+            <a:r>
+              <a:rPr lang="ko-KR" altLang="en-US" dirty="0" err="1"/>
+              <a:t>레벨만들고</a:t>
+            </a:r>
+            <a:endParaRPr lang="en-US" altLang="ko-KR" dirty="0"/>
+          </a:p>
+        </p:txBody>
+      </p:sp>
+      <p:sp>
+        <p:nvSpPr>
+          <p:cNvPr id="6" name="직사각형 5">
+            <a:extLst>
+              <a:ext uri="{FF2B5EF4-FFF2-40B4-BE49-F238E27FC236}">
+                <a16:creationId xmlns:a16="http://schemas.microsoft.com/office/drawing/2014/main" id="{71BFA2EF-C7FC-1F63-14EE-FC9399AF6BB1}"/>
+              </a:ext>
+            </a:extLst>
+          </p:cNvPr>
+          <p:cNvSpPr/>
+          <p:nvPr/>
+        </p:nvSpPr>
+        <p:spPr>
+          <a:xfrm>
+            <a:off x="2567708" y="147781"/>
+            <a:ext cx="2179782" cy="387928"/>
+          </a:xfrm>
+          <a:prstGeom prst="rect">
+            <a:avLst/>
+          </a:prstGeom>
+        </p:spPr>
+        <p:style>
+          <a:lnRef idx="2">
+            <a:schemeClr val="accent4">
+              <a:shade val="15000"/>
+            </a:schemeClr>
+          </a:lnRef>
+          <a:fillRef idx="1">
+            <a:schemeClr val="accent4"/>
+          </a:fillRef>
+          <a:effectRef idx="0">
+            <a:schemeClr val="accent4"/>
+          </a:effectRef>
+          <a:fontRef idx="minor">
+            <a:schemeClr val="lt1"/>
+          </a:fontRef>
+        </p:style>
+        <p:txBody>
+          <a:bodyPr rtlCol="0" anchor="ctr"/>
+          <a:lstStyle/>
+          <a:p>
+            <a:pPr algn="ctr"/>
+            <a:r>
+              <a:rPr lang="ko-KR" altLang="en-US" dirty="0" err="1"/>
+              <a:t>레벨만들고</a:t>
+            </a:r>
+            <a:endParaRPr lang="en-US" altLang="ko-KR" dirty="0"/>
+          </a:p>
+        </p:txBody>
+      </p:sp>
+      <p:sp>
+        <p:nvSpPr>
+          <p:cNvPr id="7" name="직사각형 6">
+            <a:extLst>
+              <a:ext uri="{FF2B5EF4-FFF2-40B4-BE49-F238E27FC236}">
+                <a16:creationId xmlns:a16="http://schemas.microsoft.com/office/drawing/2014/main" id="{8C06A26D-3162-FE76-0A59-1E73C305B31F}"/>
+              </a:ext>
+            </a:extLst>
+          </p:cNvPr>
+          <p:cNvSpPr/>
+          <p:nvPr/>
+        </p:nvSpPr>
+        <p:spPr>
+          <a:xfrm>
+            <a:off x="2567708" y="997527"/>
+            <a:ext cx="2179782" cy="387928"/>
+          </a:xfrm>
+          <a:prstGeom prst="rect">
+            <a:avLst/>
+          </a:prstGeom>
+        </p:spPr>
+        <p:style>
+          <a:lnRef idx="2">
+            <a:schemeClr val="accent4">
+              <a:shade val="15000"/>
+            </a:schemeClr>
+          </a:lnRef>
+          <a:fillRef idx="1">
+            <a:schemeClr val="accent4"/>
+          </a:fillRef>
+          <a:effectRef idx="0">
+            <a:schemeClr val="accent4"/>
+          </a:effectRef>
+          <a:fontRef idx="minor">
+            <a:schemeClr val="lt1"/>
+          </a:fontRef>
+        </p:style>
+        <p:txBody>
+          <a:bodyPr rtlCol="0" anchor="ctr"/>
+          <a:lstStyle/>
+          <a:p>
+            <a:pPr algn="ctr"/>
+            <a:r>
+              <a:rPr lang="ko-KR" altLang="en-US"/>
+              <a:t>호스트</a:t>
+            </a:r>
+            <a:endParaRPr lang="en-US" altLang="ko-KR" dirty="0"/>
+          </a:p>
+        </p:txBody>
+      </p:sp>
+      <p:sp>
+        <p:nvSpPr>
+          <p:cNvPr id="8" name="직사각형 7">
+            <a:extLst>
+              <a:ext uri="{FF2B5EF4-FFF2-40B4-BE49-F238E27FC236}">
+                <a16:creationId xmlns:a16="http://schemas.microsoft.com/office/drawing/2014/main" id="{FB8C2A38-3DA3-4ED0-78F7-DA3FD98D4CD5}"/>
+              </a:ext>
+            </a:extLst>
+          </p:cNvPr>
+          <p:cNvSpPr/>
+          <p:nvPr/>
+        </p:nvSpPr>
+        <p:spPr>
+          <a:xfrm>
+            <a:off x="2567708" y="572654"/>
+            <a:ext cx="2179782" cy="387928"/>
+          </a:xfrm>
+          <a:prstGeom prst="rect">
+            <a:avLst/>
+          </a:prstGeom>
+        </p:spPr>
+        <p:style>
+          <a:lnRef idx="2">
+            <a:schemeClr val="accent4">
+              <a:shade val="15000"/>
+            </a:schemeClr>
+          </a:lnRef>
+          <a:fillRef idx="1">
+            <a:schemeClr val="accent4"/>
+          </a:fillRef>
+          <a:effectRef idx="0">
+            <a:schemeClr val="accent4"/>
+          </a:effectRef>
+          <a:fontRef idx="minor">
+            <a:schemeClr val="lt1"/>
+          </a:fontRef>
+        </p:style>
+        <p:txBody>
+          <a:bodyPr rtlCol="0" anchor="ctr"/>
+          <a:lstStyle/>
+          <a:p>
+            <a:pPr algn="ctr"/>
+            <a:r>
+              <a:rPr lang="en-US" altLang="ko-KR" dirty="0"/>
+              <a:t>Player</a:t>
+            </a:r>
+            <a:r>
+              <a:rPr lang="ko-KR" altLang="en-US" dirty="0"/>
+              <a:t>만들기</a:t>
+            </a:r>
+            <a:endParaRPr lang="en-US" altLang="ko-KR" dirty="0"/>
+          </a:p>
+        </p:txBody>
+      </p:sp>
+      <p:sp>
+        <p:nvSpPr>
+          <p:cNvPr id="9" name="직사각형 8">
+            <a:extLst>
+              <a:ext uri="{FF2B5EF4-FFF2-40B4-BE49-F238E27FC236}">
+                <a16:creationId xmlns:a16="http://schemas.microsoft.com/office/drawing/2014/main" id="{E86B0FEB-E5EB-BBC2-728C-B7E591474979}"/>
+              </a:ext>
+            </a:extLst>
+          </p:cNvPr>
+          <p:cNvSpPr/>
+          <p:nvPr/>
+        </p:nvSpPr>
+        <p:spPr>
+          <a:xfrm>
+            <a:off x="2551543" y="1422400"/>
+            <a:ext cx="2179782" cy="655782"/>
+          </a:xfrm>
+          <a:prstGeom prst="rect">
+            <a:avLst/>
+          </a:prstGeom>
+        </p:spPr>
+        <p:style>
+          <a:lnRef idx="2">
+            <a:schemeClr val="accent4">
+              <a:shade val="15000"/>
+            </a:schemeClr>
+          </a:lnRef>
+          <a:fillRef idx="1">
+            <a:schemeClr val="accent4"/>
+          </a:fillRef>
+          <a:effectRef idx="0">
+            <a:schemeClr val="accent4"/>
+          </a:effectRef>
+          <a:fontRef idx="minor">
+            <a:schemeClr val="lt1"/>
+          </a:fontRef>
+        </p:style>
+        <p:txBody>
+          <a:bodyPr rtlCol="0" anchor="ctr"/>
+          <a:lstStyle/>
+          <a:p>
+            <a:pPr algn="ctr"/>
+            <a:r>
+              <a:rPr lang="en-US" altLang="ko-KR" dirty="0"/>
+              <a:t>Player</a:t>
+            </a:r>
+            <a:r>
+              <a:rPr lang="ko-KR" altLang="en-US" dirty="0"/>
+              <a:t>를 </a:t>
+            </a:r>
+            <a:endParaRPr lang="en-US" altLang="ko-KR" dirty="0"/>
+          </a:p>
+          <a:p>
+            <a:pPr algn="ctr"/>
+            <a:r>
+              <a:rPr lang="ko-KR" altLang="en-US" dirty="0"/>
+              <a:t>서버 오브젝트 전환</a:t>
+            </a:r>
+            <a:endParaRPr lang="en-US" altLang="ko-KR" dirty="0"/>
+          </a:p>
+        </p:txBody>
+      </p:sp>
+      <p:pic>
+        <p:nvPicPr>
+          <p:cNvPr id="11" name="그림 10">
+            <a:extLst>
+              <a:ext uri="{FF2B5EF4-FFF2-40B4-BE49-F238E27FC236}">
+                <a16:creationId xmlns:a16="http://schemas.microsoft.com/office/drawing/2014/main" id="{B724E242-D39B-F33F-0306-7F1B647AC5AA}"/>
+              </a:ext>
+            </a:extLst>
+          </p:cNvPr>
+          <p:cNvPicPr>
+            <a:picLocks noChangeAspect="1"/>
+          </p:cNvPicPr>
+          <p:nvPr/>
+        </p:nvPicPr>
+        <p:blipFill>
+          <a:blip r:embed="rId3"/>
+          <a:stretch>
+            <a:fillRect/>
+          </a:stretch>
+        </p:blipFill>
+        <p:spPr>
+          <a:xfrm>
+            <a:off x="-1529040" y="1592630"/>
+            <a:ext cx="3972479" cy="476316"/>
+          </a:xfrm>
+          <a:prstGeom prst="rect">
+            <a:avLst/>
+          </a:prstGeom>
+        </p:spPr>
+      </p:pic>
+      <p:sp>
+        <p:nvSpPr>
+          <p:cNvPr id="12" name="직사각형 11">
+            <a:extLst>
+              <a:ext uri="{FF2B5EF4-FFF2-40B4-BE49-F238E27FC236}">
+                <a16:creationId xmlns:a16="http://schemas.microsoft.com/office/drawing/2014/main" id="{C95238EB-AEBF-48A1-626C-00E304C9E89C}"/>
+              </a:ext>
+            </a:extLst>
+          </p:cNvPr>
+          <p:cNvSpPr/>
+          <p:nvPr/>
+        </p:nvSpPr>
+        <p:spPr>
+          <a:xfrm>
+            <a:off x="2551543" y="2115127"/>
+            <a:ext cx="2179782" cy="655782"/>
+          </a:xfrm>
+          <a:prstGeom prst="rect">
+            <a:avLst/>
+          </a:prstGeom>
+        </p:spPr>
+        <p:style>
+          <a:lnRef idx="2">
+            <a:schemeClr val="accent4">
+              <a:shade val="15000"/>
+            </a:schemeClr>
+          </a:lnRef>
+          <a:fillRef idx="1">
+            <a:schemeClr val="accent4"/>
+          </a:fillRef>
+          <a:effectRef idx="0">
+            <a:schemeClr val="accent4"/>
+          </a:effectRef>
+          <a:fontRef idx="minor">
+            <a:schemeClr val="lt1"/>
+          </a:fontRef>
+        </p:style>
+        <p:txBody>
+          <a:bodyPr rtlCol="0" anchor="ctr"/>
+          <a:lstStyle/>
+          <a:p>
+            <a:pPr algn="ctr"/>
+            <a:r>
+              <a:rPr lang="ko-KR" altLang="en-US" dirty="0"/>
+              <a:t>접속자를 기다림</a:t>
+            </a:r>
+            <a:endParaRPr lang="en-US" altLang="ko-KR" dirty="0"/>
+          </a:p>
+          <a:p>
+            <a:pPr algn="ctr"/>
+            <a:r>
+              <a:rPr lang="en-US" altLang="ko-KR" dirty="0"/>
+              <a:t>……</a:t>
+            </a:r>
+          </a:p>
+        </p:txBody>
+      </p:sp>
+      <p:sp>
+        <p:nvSpPr>
+          <p:cNvPr id="13" name="직사각형 12">
+            <a:extLst>
+              <a:ext uri="{FF2B5EF4-FFF2-40B4-BE49-F238E27FC236}">
+                <a16:creationId xmlns:a16="http://schemas.microsoft.com/office/drawing/2014/main" id="{48AA7FEE-0D36-9519-D2C1-523D11421DE5}"/>
+              </a:ext>
+            </a:extLst>
+          </p:cNvPr>
+          <p:cNvSpPr/>
+          <p:nvPr/>
+        </p:nvSpPr>
+        <p:spPr>
+          <a:xfrm>
+            <a:off x="7015016" y="628072"/>
+            <a:ext cx="2179782" cy="387928"/>
+          </a:xfrm>
+          <a:prstGeom prst="rect">
+            <a:avLst/>
+          </a:prstGeom>
+        </p:spPr>
+        <p:style>
+          <a:lnRef idx="2">
+            <a:schemeClr val="accent4">
+              <a:shade val="15000"/>
+            </a:schemeClr>
+          </a:lnRef>
+          <a:fillRef idx="1">
+            <a:schemeClr val="accent4"/>
+          </a:fillRef>
+          <a:effectRef idx="0">
+            <a:schemeClr val="accent4"/>
+          </a:effectRef>
+          <a:fontRef idx="minor">
+            <a:schemeClr val="lt1"/>
+          </a:fontRef>
+        </p:style>
+        <p:txBody>
+          <a:bodyPr rtlCol="0" anchor="ctr"/>
+          <a:lstStyle/>
+          <a:p>
+            <a:pPr algn="ctr"/>
+            <a:r>
+              <a:rPr lang="en-US" altLang="ko-KR" dirty="0"/>
+              <a:t>Player</a:t>
+            </a:r>
+            <a:r>
+              <a:rPr lang="ko-KR" altLang="en-US" dirty="0"/>
+              <a:t>만들기</a:t>
+            </a:r>
+            <a:endParaRPr lang="en-US" altLang="ko-KR" dirty="0"/>
+          </a:p>
+        </p:txBody>
+      </p:sp>
+      <p:sp>
+        <p:nvSpPr>
+          <p:cNvPr id="14" name="직사각형 13">
+            <a:extLst>
+              <a:ext uri="{FF2B5EF4-FFF2-40B4-BE49-F238E27FC236}">
+                <a16:creationId xmlns:a16="http://schemas.microsoft.com/office/drawing/2014/main" id="{8CA63EFC-1D6F-2811-8027-2DE856C5A096}"/>
+              </a:ext>
+            </a:extLst>
+          </p:cNvPr>
+          <p:cNvSpPr/>
+          <p:nvPr/>
+        </p:nvSpPr>
+        <p:spPr>
+          <a:xfrm>
+            <a:off x="7024253" y="2837872"/>
+            <a:ext cx="2179782" cy="387928"/>
+          </a:xfrm>
+          <a:prstGeom prst="rect">
+            <a:avLst/>
+          </a:prstGeom>
+        </p:spPr>
+        <p:style>
+          <a:lnRef idx="2">
+            <a:schemeClr val="accent4">
+              <a:shade val="15000"/>
+            </a:schemeClr>
+          </a:lnRef>
+          <a:fillRef idx="1">
+            <a:schemeClr val="accent4"/>
+          </a:fillRef>
+          <a:effectRef idx="0">
+            <a:schemeClr val="accent4"/>
+          </a:effectRef>
+          <a:fontRef idx="minor">
+            <a:schemeClr val="lt1"/>
+          </a:fontRef>
+        </p:style>
+        <p:txBody>
+          <a:bodyPr rtlCol="0" anchor="ctr"/>
+          <a:lstStyle/>
+          <a:p>
+            <a:pPr algn="ctr"/>
+            <a:r>
+              <a:rPr lang="ko-KR" altLang="en-US" dirty="0" err="1"/>
+              <a:t>커넥팅</a:t>
+            </a:r>
+            <a:endParaRPr lang="en-US" altLang="ko-KR" dirty="0"/>
+          </a:p>
+        </p:txBody>
+      </p:sp>
+      <p:cxnSp>
+        <p:nvCxnSpPr>
+          <p:cNvPr id="16" name="직선 화살표 연결선 15">
+            <a:extLst>
+              <a:ext uri="{FF2B5EF4-FFF2-40B4-BE49-F238E27FC236}">
+                <a16:creationId xmlns:a16="http://schemas.microsoft.com/office/drawing/2014/main" id="{DEF2835B-DB02-E2C9-73DB-ADE9AA562FE6}"/>
+              </a:ext>
+            </a:extLst>
+          </p:cNvPr>
+          <p:cNvCxnSpPr>
+            <a:cxnSpLocks/>
+            <a:endCxn id="2" idx="3"/>
+          </p:cNvCxnSpPr>
+          <p:nvPr/>
+        </p:nvCxnSpPr>
+        <p:spPr>
+          <a:xfrm flipH="1">
+            <a:off x="4913745" y="3031836"/>
+            <a:ext cx="2045852" cy="397164"/>
+          </a:xfrm>
+          <a:prstGeom prst="straightConnector1">
+            <a:avLst/>
+          </a:prstGeom>
+          <a:ln w="76200">
+            <a:solidFill>
+              <a:srgbClr val="FF0000"/>
+            </a:solidFill>
+            <a:tailEnd type="triangle"/>
+          </a:ln>
+        </p:spPr>
+        <p:style>
+          <a:lnRef idx="1">
+            <a:schemeClr val="accent1"/>
+          </a:lnRef>
+          <a:fillRef idx="0">
+            <a:schemeClr val="accent1"/>
+          </a:fillRef>
+          <a:effectRef idx="0">
+            <a:schemeClr val="accent1"/>
+          </a:effectRef>
+          <a:fontRef idx="minor">
+            <a:schemeClr val="tx1"/>
+          </a:fontRef>
+        </p:style>
+      </p:cxnSp>
+      <p:sp>
+        <p:nvSpPr>
+          <p:cNvPr id="18" name="직사각형 17">
+            <a:extLst>
+              <a:ext uri="{FF2B5EF4-FFF2-40B4-BE49-F238E27FC236}">
+                <a16:creationId xmlns:a16="http://schemas.microsoft.com/office/drawing/2014/main" id="{0FA87072-10CC-CB92-8A01-4A7037CA8B9E}"/>
+              </a:ext>
+            </a:extLst>
+          </p:cNvPr>
+          <p:cNvSpPr/>
+          <p:nvPr/>
+        </p:nvSpPr>
+        <p:spPr>
+          <a:xfrm>
+            <a:off x="2551543" y="3445164"/>
+            <a:ext cx="2179782" cy="655782"/>
+          </a:xfrm>
+          <a:prstGeom prst="rect">
+            <a:avLst/>
+          </a:prstGeom>
+        </p:spPr>
+        <p:style>
+          <a:lnRef idx="2">
+            <a:schemeClr val="accent4">
+              <a:shade val="15000"/>
+            </a:schemeClr>
+          </a:lnRef>
+          <a:fillRef idx="1">
+            <a:schemeClr val="accent4"/>
+          </a:fillRef>
+          <a:effectRef idx="0">
+            <a:schemeClr val="accent4"/>
+          </a:effectRef>
+          <a:fontRef idx="minor">
+            <a:schemeClr val="lt1"/>
+          </a:fontRef>
+        </p:style>
+        <p:txBody>
+          <a:bodyPr rtlCol="0" anchor="ctr"/>
+          <a:lstStyle/>
+          <a:p>
+            <a:pPr algn="ctr"/>
+            <a:r>
+              <a:rPr lang="ko-KR" altLang="en-US" dirty="0" err="1"/>
+              <a:t>액셉트</a:t>
+            </a:r>
+            <a:r>
+              <a:rPr lang="ko-KR" altLang="en-US" dirty="0"/>
+              <a:t> 리턴</a:t>
+            </a:r>
+            <a:endParaRPr lang="en-US" altLang="ko-KR" dirty="0"/>
+          </a:p>
+          <a:p>
+            <a:pPr algn="ctr"/>
+            <a:r>
+              <a:rPr lang="ko-KR" altLang="en-US" dirty="0" err="1"/>
+              <a:t>접속시</a:t>
+            </a:r>
+            <a:r>
+              <a:rPr lang="ko-KR" altLang="en-US" dirty="0"/>
+              <a:t> 콜백실행</a:t>
+            </a:r>
+            <a:endParaRPr lang="en-US" altLang="ko-KR" dirty="0"/>
+          </a:p>
+        </p:txBody>
+      </p:sp>
+      <p:cxnSp>
+        <p:nvCxnSpPr>
+          <p:cNvPr id="19" name="직선 화살표 연결선 18">
+            <a:extLst>
+              <a:ext uri="{FF2B5EF4-FFF2-40B4-BE49-F238E27FC236}">
+                <a16:creationId xmlns:a16="http://schemas.microsoft.com/office/drawing/2014/main" id="{AE2F52B8-AB67-4837-1B24-579518E42C89}"/>
+              </a:ext>
+            </a:extLst>
+          </p:cNvPr>
+          <p:cNvCxnSpPr>
+            <a:cxnSpLocks/>
+          </p:cNvCxnSpPr>
+          <p:nvPr/>
+        </p:nvCxnSpPr>
+        <p:spPr>
+          <a:xfrm>
+            <a:off x="4897579" y="4285673"/>
+            <a:ext cx="1960420" cy="477981"/>
+          </a:xfrm>
+          <a:prstGeom prst="straightConnector1">
+            <a:avLst/>
+          </a:prstGeom>
+          <a:ln w="76200">
+            <a:solidFill>
+              <a:srgbClr val="FF0000"/>
+            </a:solidFill>
+            <a:tailEnd type="triangle"/>
+          </a:ln>
+        </p:spPr>
+        <p:style>
+          <a:lnRef idx="1">
+            <a:schemeClr val="accent1"/>
+          </a:lnRef>
+          <a:fillRef idx="0">
+            <a:schemeClr val="accent1"/>
+          </a:fillRef>
+          <a:effectRef idx="0">
+            <a:schemeClr val="accent1"/>
+          </a:effectRef>
+          <a:fontRef idx="minor">
+            <a:schemeClr val="tx1"/>
+          </a:fontRef>
+        </p:style>
+      </p:cxnSp>
+      <p:sp>
+        <p:nvSpPr>
+          <p:cNvPr id="24" name="TextBox 23">
+            <a:extLst>
+              <a:ext uri="{FF2B5EF4-FFF2-40B4-BE49-F238E27FC236}">
+                <a16:creationId xmlns:a16="http://schemas.microsoft.com/office/drawing/2014/main" id="{704B9FFC-5665-3389-A8F2-A52806BFF211}"/>
+              </a:ext>
+            </a:extLst>
+          </p:cNvPr>
+          <p:cNvSpPr txBox="1"/>
+          <p:nvPr/>
+        </p:nvSpPr>
+        <p:spPr>
+          <a:xfrm>
+            <a:off x="4913745" y="4363080"/>
+            <a:ext cx="1634835" cy="323165"/>
+          </a:xfrm>
+          <a:prstGeom prst="rect">
+            <a:avLst/>
+          </a:prstGeom>
+        </p:spPr>
+        <p:style>
+          <a:lnRef idx="2">
+            <a:schemeClr val="accent3"/>
+          </a:lnRef>
+          <a:fillRef idx="1">
+            <a:schemeClr val="lt1"/>
+          </a:fillRef>
+          <a:effectRef idx="0">
+            <a:schemeClr val="accent3"/>
+          </a:effectRef>
+          <a:fontRef idx="minor">
+            <a:schemeClr val="dk1"/>
+          </a:fontRef>
+        </p:style>
+        <p:txBody>
+          <a:bodyPr wrap="square">
+            <a:spAutoFit/>
+          </a:bodyPr>
+          <a:lstStyle/>
+          <a:p>
+            <a:r>
+              <a:rPr lang="en-US" altLang="ko-KR" sz="1500" dirty="0" err="1">
+                <a:solidFill>
+                  <a:srgbClr val="2B91AF"/>
+                </a:solidFill>
+                <a:latin typeface="돋움체" panose="020B0609000101010101" pitchFamily="49" charset="-127"/>
+                <a:ea typeface="돋움체" panose="020B0609000101010101" pitchFamily="49" charset="-127"/>
+              </a:rPr>
+              <a:t>ConnectIDPacket</a:t>
+            </a:r>
+            <a:endParaRPr lang="ko-KR" altLang="en-US" sz="1500" dirty="0"/>
+          </a:p>
+        </p:txBody>
+      </p:sp>
+      <p:sp>
+        <p:nvSpPr>
+          <p:cNvPr id="25" name="직사각형 24">
+            <a:extLst>
+              <a:ext uri="{FF2B5EF4-FFF2-40B4-BE49-F238E27FC236}">
+                <a16:creationId xmlns:a16="http://schemas.microsoft.com/office/drawing/2014/main" id="{49DAEFC6-75FD-39A4-B72B-0337F064FB0B}"/>
+              </a:ext>
+            </a:extLst>
+          </p:cNvPr>
+          <p:cNvSpPr/>
+          <p:nvPr/>
+        </p:nvSpPr>
+        <p:spPr>
+          <a:xfrm>
+            <a:off x="7024253" y="4363080"/>
+            <a:ext cx="2179782" cy="973227"/>
+          </a:xfrm>
+          <a:prstGeom prst="rect">
+            <a:avLst/>
+          </a:prstGeom>
+        </p:spPr>
+        <p:style>
+          <a:lnRef idx="2">
+            <a:schemeClr val="accent4">
+              <a:shade val="15000"/>
+            </a:schemeClr>
+          </a:lnRef>
+          <a:fillRef idx="1">
+            <a:schemeClr val="accent4"/>
+          </a:fillRef>
+          <a:effectRef idx="0">
+            <a:schemeClr val="accent4"/>
+          </a:effectRef>
+          <a:fontRef idx="minor">
+            <a:schemeClr val="lt1"/>
+          </a:fontRef>
+        </p:style>
+        <p:txBody>
+          <a:bodyPr rtlCol="0" anchor="ctr"/>
+          <a:lstStyle/>
+          <a:p>
+            <a:pPr algn="ctr"/>
+            <a:r>
+              <a:rPr lang="ko-KR" altLang="en-US" dirty="0"/>
+              <a:t>리시브 함수가 리턴</a:t>
+            </a:r>
+            <a:endParaRPr lang="en-US" altLang="ko-KR" dirty="0"/>
+          </a:p>
+          <a:p>
+            <a:pPr algn="ctr"/>
+            <a:r>
+              <a:rPr lang="ko-KR" altLang="en-US" sz="2000" dirty="0" err="1">
+                <a:solidFill>
+                  <a:srgbClr val="FF0000"/>
+                </a:solidFill>
+              </a:rPr>
+              <a:t>디스패처</a:t>
+            </a:r>
+            <a:r>
+              <a:rPr lang="ko-KR" altLang="en-US" dirty="0" err="1"/>
+              <a:t>가</a:t>
+            </a:r>
+            <a:r>
+              <a:rPr lang="ko-KR" altLang="en-US" dirty="0"/>
+              <a:t> 처리한다</a:t>
+            </a:r>
+            <a:r>
+              <a:rPr lang="en-US" altLang="ko-KR" dirty="0"/>
+              <a:t>.</a:t>
+            </a:r>
+          </a:p>
+        </p:txBody>
+      </p:sp>
+      <p:pic>
+        <p:nvPicPr>
+          <p:cNvPr id="27" name="그림 26">
+            <a:extLst>
+              <a:ext uri="{FF2B5EF4-FFF2-40B4-BE49-F238E27FC236}">
+                <a16:creationId xmlns:a16="http://schemas.microsoft.com/office/drawing/2014/main" id="{6F105419-1097-A312-E5E5-166EE777D8D7}"/>
+              </a:ext>
+            </a:extLst>
+          </p:cNvPr>
+          <p:cNvPicPr>
+            <a:picLocks noChangeAspect="1"/>
+          </p:cNvPicPr>
+          <p:nvPr/>
+        </p:nvPicPr>
+        <p:blipFill>
+          <a:blip r:embed="rId4"/>
+          <a:stretch>
+            <a:fillRect/>
+          </a:stretch>
+        </p:blipFill>
+        <p:spPr>
+          <a:xfrm>
+            <a:off x="-4590872" y="3415817"/>
+            <a:ext cx="6992326" cy="714475"/>
+          </a:xfrm>
+          <a:prstGeom prst="rect">
+            <a:avLst/>
+          </a:prstGeom>
+        </p:spPr>
+      </p:pic>
     </p:spTree>
     <p:extLst>
       <p:ext uri="{BB962C8B-B14F-4D97-AF65-F5344CB8AC3E}">
         <p14:creationId xmlns:p14="http://schemas.microsoft.com/office/powerpoint/2010/main" val="2893487980"/>
+      </p:ext>
+    </p:extLst>
+  </p:cSld>
+  <p:clrMapOvr>
+    <a:masterClrMapping/>
+  </p:clrMapOvr>
+</p:sld>
+</file>
+
+<file path=ppt/slides/slide2.xml><?xml version="1.0" encoding="utf-8"?>
+<p:sld xmlns:a="http://schemas.openxmlformats.org/drawingml/2006/main" xmlns:r="http://schemas.openxmlformats.org/officeDocument/2006/relationships" xmlns:p="http://schemas.openxmlformats.org/presentationml/2006/main">
+  <p:cSld>
+    <p:spTree>
+      <p:nvGrpSpPr>
+        <p:cNvPr id="1" name=""/>
+        <p:cNvGrpSpPr/>
+        <p:nvPr/>
+      </p:nvGrpSpPr>
+      <p:grpSpPr>
+        <a:xfrm>
+          <a:off x="0" y="0"/>
+          <a:ext cx="0" cy="0"/>
+          <a:chOff x="0" y="0"/>
+          <a:chExt cx="0" cy="0"/>
+        </a:xfrm>
+      </p:grpSpPr>
+      <p:sp>
+        <p:nvSpPr>
+          <p:cNvPr id="4" name="직사각형 3">
+            <a:extLst>
+              <a:ext uri="{FF2B5EF4-FFF2-40B4-BE49-F238E27FC236}">
+                <a16:creationId xmlns:a16="http://schemas.microsoft.com/office/drawing/2014/main" id="{48866390-708C-6A4C-58CD-ED96D77461F5}"/>
+              </a:ext>
+            </a:extLst>
+          </p:cNvPr>
+          <p:cNvSpPr/>
+          <p:nvPr/>
+        </p:nvSpPr>
+        <p:spPr>
+          <a:xfrm>
+            <a:off x="480291" y="618836"/>
+            <a:ext cx="2678545" cy="1487055"/>
+          </a:xfrm>
+          <a:prstGeom prst="rect">
+            <a:avLst/>
+          </a:prstGeom>
+        </p:spPr>
+        <p:style>
+          <a:lnRef idx="2">
+            <a:schemeClr val="accent1">
+              <a:shade val="15000"/>
+            </a:schemeClr>
+          </a:lnRef>
+          <a:fillRef idx="1">
+            <a:schemeClr val="accent1"/>
+          </a:fillRef>
+          <a:effectRef idx="0">
+            <a:schemeClr val="accent1"/>
+          </a:effectRef>
+          <a:fontRef idx="minor">
+            <a:schemeClr val="lt1"/>
+          </a:fontRef>
+        </p:style>
+        <p:txBody>
+          <a:bodyPr rtlCol="0" anchor="ctr"/>
+          <a:lstStyle/>
+          <a:p>
+            <a:pPr algn="ctr"/>
+            <a:r>
+              <a:rPr lang="ko-KR" altLang="en-US"/>
+              <a:t>패킷</a:t>
+            </a:r>
+          </a:p>
+        </p:txBody>
+      </p:sp>
+      <p:sp>
+        <p:nvSpPr>
+          <p:cNvPr id="10" name="직사각형 9">
+            <a:extLst>
+              <a:ext uri="{FF2B5EF4-FFF2-40B4-BE49-F238E27FC236}">
+                <a16:creationId xmlns:a16="http://schemas.microsoft.com/office/drawing/2014/main" id="{BB46A15C-DF91-AE73-C6E0-4D623A7EEB52}"/>
+              </a:ext>
+            </a:extLst>
+          </p:cNvPr>
+          <p:cNvSpPr/>
+          <p:nvPr/>
+        </p:nvSpPr>
+        <p:spPr>
+          <a:xfrm>
+            <a:off x="3417455" y="618835"/>
+            <a:ext cx="2678545" cy="1487055"/>
+          </a:xfrm>
+          <a:prstGeom prst="rect">
+            <a:avLst/>
+          </a:prstGeom>
+        </p:spPr>
+        <p:style>
+          <a:lnRef idx="2">
+            <a:schemeClr val="accent1">
+              <a:shade val="15000"/>
+            </a:schemeClr>
+          </a:lnRef>
+          <a:fillRef idx="1">
+            <a:schemeClr val="accent1"/>
+          </a:fillRef>
+          <a:effectRef idx="0">
+            <a:schemeClr val="accent1"/>
+          </a:effectRef>
+          <a:fontRef idx="minor">
+            <a:schemeClr val="lt1"/>
+          </a:fontRef>
+        </p:style>
+        <p:txBody>
+          <a:bodyPr rtlCol="0" anchor="ctr"/>
+          <a:lstStyle/>
+          <a:p>
+            <a:pPr algn="ctr"/>
+            <a:r>
+              <a:rPr lang="ko-KR" altLang="en-US"/>
+              <a:t>패킷</a:t>
+            </a:r>
+          </a:p>
+        </p:txBody>
+      </p:sp>
+      <p:sp>
+        <p:nvSpPr>
+          <p:cNvPr id="15" name="직사각형 14">
+            <a:extLst>
+              <a:ext uri="{FF2B5EF4-FFF2-40B4-BE49-F238E27FC236}">
+                <a16:creationId xmlns:a16="http://schemas.microsoft.com/office/drawing/2014/main" id="{2659FBB0-887C-314D-3CFC-0D0BC0CE5CAF}"/>
+              </a:ext>
+            </a:extLst>
+          </p:cNvPr>
+          <p:cNvSpPr/>
+          <p:nvPr/>
+        </p:nvSpPr>
+        <p:spPr>
+          <a:xfrm>
+            <a:off x="6354621" y="618835"/>
+            <a:ext cx="2678545" cy="1487055"/>
+          </a:xfrm>
+          <a:prstGeom prst="rect">
+            <a:avLst/>
+          </a:prstGeom>
+        </p:spPr>
+        <p:style>
+          <a:lnRef idx="2">
+            <a:schemeClr val="accent1">
+              <a:shade val="15000"/>
+            </a:schemeClr>
+          </a:lnRef>
+          <a:fillRef idx="1">
+            <a:schemeClr val="accent1"/>
+          </a:fillRef>
+          <a:effectRef idx="0">
+            <a:schemeClr val="accent1"/>
+          </a:effectRef>
+          <a:fontRef idx="minor">
+            <a:schemeClr val="lt1"/>
+          </a:fontRef>
+        </p:style>
+        <p:txBody>
+          <a:bodyPr rtlCol="0" anchor="ctr"/>
+          <a:lstStyle/>
+          <a:p>
+            <a:pPr algn="ctr"/>
+            <a:r>
+              <a:rPr lang="ko-KR" altLang="en-US"/>
+              <a:t>패킷</a:t>
+            </a:r>
+          </a:p>
+        </p:txBody>
+      </p:sp>
+      <p:sp>
+        <p:nvSpPr>
+          <p:cNvPr id="21" name="직사각형 20">
+            <a:extLst>
+              <a:ext uri="{FF2B5EF4-FFF2-40B4-BE49-F238E27FC236}">
+                <a16:creationId xmlns:a16="http://schemas.microsoft.com/office/drawing/2014/main" id="{06B84DBD-E845-F54A-C33F-9C7055F94BED}"/>
+              </a:ext>
+            </a:extLst>
+          </p:cNvPr>
+          <p:cNvSpPr/>
+          <p:nvPr/>
+        </p:nvSpPr>
+        <p:spPr>
+          <a:xfrm>
+            <a:off x="480291" y="1911926"/>
+            <a:ext cx="1634836" cy="1487055"/>
+          </a:xfrm>
+          <a:prstGeom prst="rect">
+            <a:avLst/>
+          </a:prstGeom>
+        </p:spPr>
+        <p:style>
+          <a:lnRef idx="2">
+            <a:schemeClr val="accent4">
+              <a:shade val="15000"/>
+            </a:schemeClr>
+          </a:lnRef>
+          <a:fillRef idx="1">
+            <a:schemeClr val="accent4"/>
+          </a:fillRef>
+          <a:effectRef idx="0">
+            <a:schemeClr val="accent4"/>
+          </a:effectRef>
+          <a:fontRef idx="minor">
+            <a:schemeClr val="lt1"/>
+          </a:fontRef>
+        </p:style>
+        <p:txBody>
+          <a:bodyPr rtlCol="0" anchor="ctr"/>
+          <a:lstStyle/>
+          <a:p>
+            <a:pPr algn="ctr"/>
+            <a:endParaRPr lang="ko-KR" altLang="en-US"/>
+          </a:p>
+        </p:txBody>
+      </p:sp>
+      <p:sp>
+        <p:nvSpPr>
+          <p:cNvPr id="22" name="직사각형 21">
+            <a:extLst>
+              <a:ext uri="{FF2B5EF4-FFF2-40B4-BE49-F238E27FC236}">
+                <a16:creationId xmlns:a16="http://schemas.microsoft.com/office/drawing/2014/main" id="{E7867C54-B996-3A3A-6F46-285881256065}"/>
+              </a:ext>
+            </a:extLst>
+          </p:cNvPr>
+          <p:cNvSpPr/>
+          <p:nvPr/>
+        </p:nvSpPr>
+        <p:spPr>
+          <a:xfrm>
+            <a:off x="2115127" y="1911925"/>
+            <a:ext cx="3149600" cy="1487055"/>
+          </a:xfrm>
+          <a:prstGeom prst="rect">
+            <a:avLst/>
+          </a:prstGeom>
+        </p:spPr>
+        <p:style>
+          <a:lnRef idx="2">
+            <a:schemeClr val="accent5">
+              <a:shade val="15000"/>
+            </a:schemeClr>
+          </a:lnRef>
+          <a:fillRef idx="1">
+            <a:schemeClr val="accent5"/>
+          </a:fillRef>
+          <a:effectRef idx="0">
+            <a:schemeClr val="accent5"/>
+          </a:effectRef>
+          <a:fontRef idx="minor">
+            <a:schemeClr val="lt1"/>
+          </a:fontRef>
+        </p:style>
+        <p:txBody>
+          <a:bodyPr rtlCol="0" anchor="ctr"/>
+          <a:lstStyle/>
+          <a:p>
+            <a:pPr algn="ctr"/>
+            <a:endParaRPr lang="ko-KR" altLang="en-US"/>
+          </a:p>
+        </p:txBody>
+      </p:sp>
+      <p:sp>
+        <p:nvSpPr>
+          <p:cNvPr id="23" name="직사각형 22">
+            <a:extLst>
+              <a:ext uri="{FF2B5EF4-FFF2-40B4-BE49-F238E27FC236}">
+                <a16:creationId xmlns:a16="http://schemas.microsoft.com/office/drawing/2014/main" id="{E05E79EE-15D7-279A-884B-86B8EBEABA2F}"/>
+              </a:ext>
+            </a:extLst>
+          </p:cNvPr>
+          <p:cNvSpPr/>
+          <p:nvPr/>
+        </p:nvSpPr>
+        <p:spPr>
+          <a:xfrm>
+            <a:off x="5264726" y="1911924"/>
+            <a:ext cx="3768439" cy="1487055"/>
+          </a:xfrm>
+          <a:prstGeom prst="rect">
+            <a:avLst/>
+          </a:prstGeom>
+        </p:spPr>
+        <p:style>
+          <a:lnRef idx="2">
+            <a:schemeClr val="accent2">
+              <a:shade val="15000"/>
+            </a:schemeClr>
+          </a:lnRef>
+          <a:fillRef idx="1">
+            <a:schemeClr val="accent2"/>
+          </a:fillRef>
+          <a:effectRef idx="0">
+            <a:schemeClr val="accent2"/>
+          </a:effectRef>
+          <a:fontRef idx="minor">
+            <a:schemeClr val="lt1"/>
+          </a:fontRef>
+        </p:style>
+        <p:txBody>
+          <a:bodyPr rtlCol="0" anchor="ctr"/>
+          <a:lstStyle/>
+          <a:p>
+            <a:pPr algn="ctr"/>
+            <a:endParaRPr lang="ko-KR" altLang="en-US"/>
+          </a:p>
+        </p:txBody>
+      </p:sp>
+    </p:spTree>
+    <p:extLst>
+      <p:ext uri="{BB962C8B-B14F-4D97-AF65-F5344CB8AC3E}">
+        <p14:creationId xmlns:p14="http://schemas.microsoft.com/office/powerpoint/2010/main" val="617839352"/>
       </p:ext>
     </p:extLst>
   </p:cSld>
@@ -3627,4 +5330,299 @@
     </a:ext>
   </a:extLst>
 </a:theme>
+</file>
+
+<file path=ppt/theme/theme2.xml><?xml version="1.0" encoding="utf-8"?>
+<a:theme xmlns:a="http://schemas.openxmlformats.org/drawingml/2006/main" name="Office 테마">
+  <a:themeElements>
+    <a:clrScheme name="Office">
+      <a:dk1>
+        <a:sysClr val="windowText" lastClr="000000"/>
+      </a:dk1>
+      <a:lt1>
+        <a:sysClr val="window" lastClr="FFFFFF"/>
+      </a:lt1>
+      <a:dk2>
+        <a:srgbClr val="44546A"/>
+      </a:dk2>
+      <a:lt2>
+        <a:srgbClr val="E7E6E6"/>
+      </a:lt2>
+      <a:accent1>
+        <a:srgbClr val="4472C4"/>
+      </a:accent1>
+      <a:accent2>
+        <a:srgbClr val="ED7D31"/>
+      </a:accent2>
+      <a:accent3>
+        <a:srgbClr val="A5A5A5"/>
+      </a:accent3>
+      <a:accent4>
+        <a:srgbClr val="FFC000"/>
+      </a:accent4>
+      <a:accent5>
+        <a:srgbClr val="5B9BD5"/>
+      </a:accent5>
+      <a:accent6>
+        <a:srgbClr val="70AD47"/>
+      </a:accent6>
+      <a:hlink>
+        <a:srgbClr val="0563C1"/>
+      </a:hlink>
+      <a:folHlink>
+        <a:srgbClr val="954F72"/>
+      </a:folHlink>
+    </a:clrScheme>
+    <a:fontScheme name="Office">
+      <a:majorFont>
+        <a:latin typeface="맑은 고딕" panose="020F0302020204030204"/>
+        <a:ea typeface=""/>
+        <a:cs typeface=""/>
+        <a:font script="Jpan" typeface="游ゴシック Light"/>
+        <a:font script="Hang" typeface="맑은 고딕"/>
+        <a:font script="Hans" typeface="等线 Light"/>
+        <a:font script="Hant" typeface="新細明體"/>
+        <a:font script="Arab" typeface="Times New Roman"/>
+        <a:font script="Hebr" typeface="Times New Roman"/>
+        <a:font script="Thai" typeface="Angsana New"/>
+        <a:font script="Ethi" typeface="Nyala"/>
+        <a:font script="Beng" typeface="Vrinda"/>
+        <a:font script="Gujr" typeface="Shruti"/>
+        <a:font script="Khmr" typeface="MoolBoran"/>
+        <a:font script="Knda" typeface="Tunga"/>
+        <a:font script="Guru" typeface="Raavi"/>
+        <a:font script="Cans" typeface="Euphemia"/>
+        <a:font script="Cher" typeface="Plantagenet Cherokee"/>
+        <a:font script="Yiii" typeface="Microsoft Yi Baiti"/>
+        <a:font script="Tibt" typeface="Microsoft Himalaya"/>
+        <a:font script="Thaa" typeface="MV Boli"/>
+        <a:font script="Deva" typeface="Mangal"/>
+        <a:font script="Telu" typeface="Gautami"/>
+        <a:font script="Taml" typeface="Latha"/>
+        <a:font script="Syrc" typeface="Estrangelo Edessa"/>
+        <a:font script="Orya" typeface="Kalinga"/>
+        <a:font script="Mlym" typeface="Kartika"/>
+        <a:font script="Laoo" typeface="DokChampa"/>
+        <a:font script="Sinh" typeface="Iskoola Pota"/>
+        <a:font script="Mong" typeface="Mongolian Baiti"/>
+        <a:font script="Viet" typeface="Times New Roman"/>
+        <a:font script="Uigh" typeface="Microsoft Uighur"/>
+        <a:font script="Geor" typeface="Sylfaen"/>
+        <a:font script="Armn" typeface="Arial"/>
+        <a:font script="Bugi" typeface="Leelawadee UI"/>
+        <a:font script="Bopo" typeface="Microsoft JhengHei"/>
+        <a:font script="Java" typeface="Javanese Text"/>
+        <a:font script="Lisu" typeface="Segoe UI"/>
+        <a:font script="Mymr" typeface="Myanmar Text"/>
+        <a:font script="Nkoo" typeface="Ebrima"/>
+        <a:font script="Olck" typeface="Nirmala UI"/>
+        <a:font script="Osma" typeface="Ebrima"/>
+        <a:font script="Phag" typeface="Phagspa"/>
+        <a:font script="Syrn" typeface="Estrangelo Edessa"/>
+        <a:font script="Syrj" typeface="Estrangelo Edessa"/>
+        <a:font script="Syre" typeface="Estrangelo Edessa"/>
+        <a:font script="Sora" typeface="Nirmala UI"/>
+        <a:font script="Tale" typeface="Microsoft Tai Le"/>
+        <a:font script="Talu" typeface="Microsoft New Tai Lue"/>
+        <a:font script="Tfng" typeface="Ebrima"/>
+      </a:majorFont>
+      <a:minorFont>
+        <a:latin typeface="맑은 고딕" panose="020F0502020204030204"/>
+        <a:ea typeface=""/>
+        <a:cs typeface=""/>
+        <a:font script="Jpan" typeface="游ゴシック"/>
+        <a:font script="Hang" typeface="맑은 고딕"/>
+        <a:font script="Hans" typeface="等线"/>
+        <a:font script="Hant" typeface="新細明體"/>
+        <a:font script="Arab" typeface="Arial"/>
+        <a:font script="Hebr" typeface="Arial"/>
+        <a:font script="Thai" typeface="Cordia New"/>
+        <a:font script="Ethi" typeface="Nyala"/>
+        <a:font script="Beng" typeface="Vrinda"/>
+        <a:font script="Gujr" typeface="Shruti"/>
+        <a:font script="Khmr" typeface="DaunPenh"/>
+        <a:font script="Knda" typeface="Tunga"/>
+        <a:font script="Guru" typeface="Raavi"/>
+        <a:font script="Cans" typeface="Euphemia"/>
+        <a:font script="Cher" typeface="Plantagenet Cherokee"/>
+        <a:font script="Yiii" typeface="Microsoft Yi Baiti"/>
+        <a:font script="Tibt" typeface="Microsoft Himalaya"/>
+        <a:font script="Thaa" typeface="MV Boli"/>
+        <a:font script="Deva" typeface="Mangal"/>
+        <a:font script="Telu" typeface="Gautami"/>
+        <a:font script="Taml" typeface="Latha"/>
+        <a:font script="Syrc" typeface="Estrangelo Edessa"/>
+        <a:font script="Orya" typeface="Kalinga"/>
+        <a:font script="Mlym" typeface="Kartika"/>
+        <a:font script="Laoo" typeface="DokChampa"/>
+        <a:font script="Sinh" typeface="Iskoola Pota"/>
+        <a:font script="Mong" typeface="Mongolian Baiti"/>
+        <a:font script="Viet" typeface="Arial"/>
+        <a:font script="Uigh" typeface="Microsoft Uighur"/>
+        <a:font script="Geor" typeface="Sylfaen"/>
+        <a:font script="Armn" typeface="Arial"/>
+        <a:font script="Bugi" typeface="Leelawadee UI"/>
+        <a:font script="Bopo" typeface="Microsoft JhengHei"/>
+        <a:font script="Java" typeface="Javanese Text"/>
+        <a:font script="Lisu" typeface="Segoe UI"/>
+        <a:font script="Mymr" typeface="Myanmar Text"/>
+        <a:font script="Nkoo" typeface="Ebrima"/>
+        <a:font script="Olck" typeface="Nirmala UI"/>
+        <a:font script="Osma" typeface="Ebrima"/>
+        <a:font script="Phag" typeface="Phagspa"/>
+        <a:font script="Syrn" typeface="Estrangelo Edessa"/>
+        <a:font script="Syrj" typeface="Estrangelo Edessa"/>
+        <a:font script="Syre" typeface="Estrangelo Edessa"/>
+        <a:font script="Sora" typeface="Nirmala UI"/>
+        <a:font script="Tale" typeface="Microsoft Tai Le"/>
+        <a:font script="Talu" typeface="Microsoft New Tai Lue"/>
+        <a:font script="Tfng" typeface="Ebrima"/>
+      </a:minorFont>
+    </a:fontScheme>
+    <a:fmtScheme name="Office">
+      <a:fillStyleLst>
+        <a:solidFill>
+          <a:schemeClr val="phClr"/>
+        </a:solidFill>
+        <a:gradFill rotWithShape="1">
+          <a:gsLst>
+            <a:gs pos="0">
+              <a:schemeClr val="phClr">
+                <a:lumMod val="110000"/>
+                <a:satMod val="105000"/>
+                <a:tint val="67000"/>
+              </a:schemeClr>
+            </a:gs>
+            <a:gs pos="50000">
+              <a:schemeClr val="phClr">
+                <a:lumMod val="105000"/>
+                <a:satMod val="103000"/>
+                <a:tint val="73000"/>
+              </a:schemeClr>
+            </a:gs>
+            <a:gs pos="100000">
+              <a:schemeClr val="phClr">
+                <a:lumMod val="105000"/>
+                <a:satMod val="109000"/>
+                <a:tint val="81000"/>
+              </a:schemeClr>
+            </a:gs>
+          </a:gsLst>
+          <a:lin ang="5400000" scaled="0"/>
+        </a:gradFill>
+        <a:gradFill rotWithShape="1">
+          <a:gsLst>
+            <a:gs pos="0">
+              <a:schemeClr val="phClr">
+                <a:satMod val="103000"/>
+                <a:lumMod val="102000"/>
+                <a:tint val="94000"/>
+              </a:schemeClr>
+            </a:gs>
+            <a:gs pos="50000">
+              <a:schemeClr val="phClr">
+                <a:satMod val="110000"/>
+                <a:lumMod val="100000"/>
+                <a:shade val="100000"/>
+              </a:schemeClr>
+            </a:gs>
+            <a:gs pos="100000">
+              <a:schemeClr val="phClr">
+                <a:lumMod val="99000"/>
+                <a:satMod val="120000"/>
+                <a:shade val="78000"/>
+              </a:schemeClr>
+            </a:gs>
+          </a:gsLst>
+          <a:lin ang="5400000" scaled="0"/>
+        </a:gradFill>
+      </a:fillStyleLst>
+      <a:lnStyleLst>
+        <a:ln w="6350" cap="flat" cmpd="sng" algn="ctr">
+          <a:solidFill>
+            <a:schemeClr val="phClr"/>
+          </a:solidFill>
+          <a:prstDash val="solid"/>
+          <a:miter lim="800000"/>
+        </a:ln>
+        <a:ln w="12700" cap="flat" cmpd="sng" algn="ctr">
+          <a:solidFill>
+            <a:schemeClr val="phClr"/>
+          </a:solidFill>
+          <a:prstDash val="solid"/>
+          <a:miter lim="800000"/>
+        </a:ln>
+        <a:ln w="19050" cap="flat" cmpd="sng" algn="ctr">
+          <a:solidFill>
+            <a:schemeClr val="phClr"/>
+          </a:solidFill>
+          <a:prstDash val="solid"/>
+          <a:miter lim="800000"/>
+        </a:ln>
+      </a:lnStyleLst>
+      <a:effectStyleLst>
+        <a:effectStyle>
+          <a:effectLst/>
+        </a:effectStyle>
+        <a:effectStyle>
+          <a:effectLst/>
+        </a:effectStyle>
+        <a:effectStyle>
+          <a:effectLst>
+            <a:outerShdw blurRad="57150" dist="19050" dir="5400000" algn="ctr" rotWithShape="0">
+              <a:srgbClr val="000000">
+                <a:alpha val="63000"/>
+              </a:srgbClr>
+            </a:outerShdw>
+          </a:effectLst>
+        </a:effectStyle>
+      </a:effectStyleLst>
+      <a:bgFillStyleLst>
+        <a:solidFill>
+          <a:schemeClr val="phClr"/>
+        </a:solidFill>
+        <a:solidFill>
+          <a:schemeClr val="phClr">
+            <a:tint val="95000"/>
+            <a:satMod val="170000"/>
+          </a:schemeClr>
+        </a:solidFill>
+        <a:gradFill rotWithShape="1">
+          <a:gsLst>
+            <a:gs pos="0">
+              <a:schemeClr val="phClr">
+                <a:tint val="93000"/>
+                <a:satMod val="150000"/>
+                <a:shade val="98000"/>
+                <a:lumMod val="102000"/>
+              </a:schemeClr>
+            </a:gs>
+            <a:gs pos="50000">
+              <a:schemeClr val="phClr">
+                <a:tint val="98000"/>
+                <a:satMod val="130000"/>
+                <a:shade val="90000"/>
+                <a:lumMod val="103000"/>
+              </a:schemeClr>
+            </a:gs>
+            <a:gs pos="100000">
+              <a:schemeClr val="phClr">
+                <a:shade val="63000"/>
+                <a:satMod val="120000"/>
+              </a:schemeClr>
+            </a:gs>
+          </a:gsLst>
+          <a:lin ang="5400000" scaled="0"/>
+        </a:gradFill>
+      </a:bgFillStyleLst>
+    </a:fmtScheme>
+  </a:themeElements>
+  <a:objectDefaults/>
+  <a:extraClrSchemeLst/>
+  <a:extLst>
+    <a:ext uri="{05A4C25C-085E-4340-85A3-A5531E510DB2}">
+      <thm15:themeFamily xmlns:thm15="http://schemas.microsoft.com/office/thememl/2012/main" name="Office Theme" id="{62F939B6-93AF-4DB8-9C6B-D6C7DFDC589F}" vid="{4A3C46E8-61CC-4603-A589-7422A47A8E4A}"/>
+    </a:ext>
+  </a:extLst>
+</a:theme>
 </file>
--- a/DirectX/DirectX45/GameEngineBase/프로토콜설명.pptx
+++ b/DirectX/DirectX45/GameEngineBase/프로토콜설명.pptx
@@ -5,11 +5,12 @@
     <p:sldMasterId id="2147483648" r:id="rId1"/>
   </p:sldMasterIdLst>
   <p:notesMasterIdLst>
-    <p:notesMasterId r:id="rId4"/>
+    <p:notesMasterId r:id="rId5"/>
   </p:notesMasterIdLst>
   <p:sldIdLst>
     <p:sldId id="256" r:id="rId2"/>
-    <p:sldId id="257" r:id="rId3"/>
+    <p:sldId id="258" r:id="rId3"/>
+    <p:sldId id="257" r:id="rId4"/>
   </p:sldIdLst>
   <p:sldSz cx="12192000" cy="6858000"/>
   <p:notesSz cx="6858000" cy="9144000"/>
@@ -615,6 +616,90 @@
             <a:fld id="{29A529C6-0A9B-43DE-B7D3-54C2BCAC55B6}" type="slidenum">
               <a:rPr lang="ko-KR" altLang="en-US" smtClean="0"/>
               <a:t>2</a:t>
+            </a:fld>
+            <a:endParaRPr lang="ko-KR" altLang="en-US"/>
+          </a:p>
+        </p:txBody>
+      </p:sp>
+    </p:spTree>
+    <p:extLst>
+      <p:ext uri="{BB962C8B-B14F-4D97-AF65-F5344CB8AC3E}">
+        <p14:creationId xmlns:p14="http://schemas.microsoft.com/office/powerpoint/2010/main" val="1847866831"/>
+      </p:ext>
+    </p:extLst>
+  </p:cSld>
+  <p:clrMapOvr>
+    <a:masterClrMapping/>
+  </p:clrMapOvr>
+</p:notes>
+</file>
+
+<file path=ppt/notesSlides/notesSlide3.xml><?xml version="1.0" encoding="utf-8"?>
+<p:notes xmlns:a="http://schemas.openxmlformats.org/drawingml/2006/main" xmlns:r="http://schemas.openxmlformats.org/officeDocument/2006/relationships" xmlns:p="http://schemas.openxmlformats.org/presentationml/2006/main">
+  <p:cSld>
+    <p:spTree>
+      <p:nvGrpSpPr>
+        <p:cNvPr id="1" name=""/>
+        <p:cNvGrpSpPr/>
+        <p:nvPr/>
+      </p:nvGrpSpPr>
+      <p:grpSpPr>
+        <a:xfrm>
+          <a:off x="0" y="0"/>
+          <a:ext cx="0" cy="0"/>
+          <a:chOff x="0" y="0"/>
+          <a:chExt cx="0" cy="0"/>
+        </a:xfrm>
+      </p:grpSpPr>
+      <p:sp>
+        <p:nvSpPr>
+          <p:cNvPr id="2" name="슬라이드 이미지 개체 틀 1"/>
+          <p:cNvSpPr>
+            <a:spLocks noGrp="1" noRot="1" noChangeAspect="1"/>
+          </p:cNvSpPr>
+          <p:nvPr>
+            <p:ph type="sldImg"/>
+          </p:nvPr>
+        </p:nvSpPr>
+        <p:spPr/>
+      </p:sp>
+      <p:sp>
+        <p:nvSpPr>
+          <p:cNvPr id="3" name="슬라이드 노트 개체 틀 2"/>
+          <p:cNvSpPr>
+            <a:spLocks noGrp="1"/>
+          </p:cNvSpPr>
+          <p:nvPr>
+            <p:ph type="body" idx="1"/>
+          </p:nvPr>
+        </p:nvSpPr>
+        <p:spPr/>
+        <p:txBody>
+          <a:bodyPr/>
+          <a:lstStyle/>
+          <a:p>
+            <a:endParaRPr lang="ko-KR" altLang="en-US" dirty="0"/>
+          </a:p>
+        </p:txBody>
+      </p:sp>
+      <p:sp>
+        <p:nvSpPr>
+          <p:cNvPr id="4" name="슬라이드 번호 개체 틀 3"/>
+          <p:cNvSpPr>
+            <a:spLocks noGrp="1"/>
+          </p:cNvSpPr>
+          <p:nvPr>
+            <p:ph type="sldNum" sz="quarter" idx="5"/>
+          </p:nvPr>
+        </p:nvSpPr>
+        <p:spPr/>
+        <p:txBody>
+          <a:bodyPr/>
+          <a:lstStyle/>
+          <a:p>
+            <a:fld id="{29A529C6-0A9B-43DE-B7D3-54C2BCAC55B6}" type="slidenum">
+              <a:rPr lang="ko-KR" altLang="en-US" smtClean="0"/>
+              <a:t>3</a:t>
             </a:fld>
             <a:endParaRPr lang="ko-KR" altLang="en-US"/>
           </a:p>
@@ -4723,6 +4808,357 @@
 </file>
 
 <file path=ppt/slides/slide2.xml><?xml version="1.0" encoding="utf-8"?>
+<p:sld xmlns:a="http://schemas.openxmlformats.org/drawingml/2006/main" xmlns:r="http://schemas.openxmlformats.org/officeDocument/2006/relationships" xmlns:p="http://schemas.openxmlformats.org/presentationml/2006/main">
+  <p:cSld>
+    <p:spTree>
+      <p:nvGrpSpPr>
+        <p:cNvPr id="1" name=""/>
+        <p:cNvGrpSpPr/>
+        <p:nvPr/>
+      </p:nvGrpSpPr>
+      <p:grpSpPr>
+        <a:xfrm>
+          <a:off x="0" y="0"/>
+          <a:ext cx="0" cy="0"/>
+          <a:chOff x="0" y="0"/>
+          <a:chExt cx="0" cy="0"/>
+        </a:xfrm>
+      </p:grpSpPr>
+      <p:sp>
+        <p:nvSpPr>
+          <p:cNvPr id="2" name="직사각형 1">
+            <a:extLst>
+              <a:ext uri="{FF2B5EF4-FFF2-40B4-BE49-F238E27FC236}">
+                <a16:creationId xmlns:a16="http://schemas.microsoft.com/office/drawing/2014/main" id="{FAE1F1B9-474D-32E7-83E0-B9FBA464CA3A}"/>
+              </a:ext>
+            </a:extLst>
+          </p:cNvPr>
+          <p:cNvSpPr/>
+          <p:nvPr/>
+        </p:nvSpPr>
+        <p:spPr>
+          <a:xfrm>
+            <a:off x="3149600" y="342900"/>
+            <a:ext cx="2286000" cy="5969000"/>
+          </a:xfrm>
+          <a:prstGeom prst="rect">
+            <a:avLst/>
+          </a:prstGeom>
+        </p:spPr>
+        <p:style>
+          <a:lnRef idx="2">
+            <a:schemeClr val="accent1">
+              <a:shade val="15000"/>
+            </a:schemeClr>
+          </a:lnRef>
+          <a:fillRef idx="1">
+            <a:schemeClr val="accent1"/>
+          </a:fillRef>
+          <a:effectRef idx="0">
+            <a:schemeClr val="accent1"/>
+          </a:effectRef>
+          <a:fontRef idx="minor">
+            <a:schemeClr val="lt1"/>
+          </a:fontRef>
+        </p:style>
+        <p:txBody>
+          <a:bodyPr rtlCol="0" anchor="ctr"/>
+          <a:lstStyle/>
+          <a:p>
+            <a:pPr algn="ctr"/>
+            <a:r>
+              <a:rPr lang="ko-KR" altLang="en-US" dirty="0" err="1"/>
+              <a:t>메인쓰레드</a:t>
+            </a:r>
+            <a:endParaRPr lang="en-US" altLang="ko-KR" dirty="0"/>
+          </a:p>
+          <a:p>
+            <a:pPr algn="ctr"/>
+            <a:endParaRPr lang="en-US" altLang="ko-KR" dirty="0"/>
+          </a:p>
+          <a:p>
+            <a:pPr algn="ctr"/>
+            <a:endParaRPr lang="en-US" altLang="ko-KR" dirty="0"/>
+          </a:p>
+        </p:txBody>
+      </p:sp>
+      <p:sp>
+        <p:nvSpPr>
+          <p:cNvPr id="3" name="직사각형 2">
+            <a:extLst>
+              <a:ext uri="{FF2B5EF4-FFF2-40B4-BE49-F238E27FC236}">
+                <a16:creationId xmlns:a16="http://schemas.microsoft.com/office/drawing/2014/main" id="{69A78F49-478D-C557-911C-DD6D4DC21227}"/>
+              </a:ext>
+            </a:extLst>
+          </p:cNvPr>
+          <p:cNvSpPr/>
+          <p:nvPr/>
+        </p:nvSpPr>
+        <p:spPr>
+          <a:xfrm>
+            <a:off x="6870700" y="342900"/>
+            <a:ext cx="2286000" cy="5969000"/>
+          </a:xfrm>
+          <a:prstGeom prst="rect">
+            <a:avLst/>
+          </a:prstGeom>
+        </p:spPr>
+        <p:style>
+          <a:lnRef idx="2">
+            <a:schemeClr val="accent1">
+              <a:shade val="15000"/>
+            </a:schemeClr>
+          </a:lnRef>
+          <a:fillRef idx="1">
+            <a:schemeClr val="accent1"/>
+          </a:fillRef>
+          <a:effectRef idx="0">
+            <a:schemeClr val="accent1"/>
+          </a:effectRef>
+          <a:fontRef idx="minor">
+            <a:schemeClr val="lt1"/>
+          </a:fontRef>
+        </p:style>
+        <p:txBody>
+          <a:bodyPr rtlCol="0" anchor="ctr"/>
+          <a:lstStyle/>
+          <a:p>
+            <a:pPr algn="ctr"/>
+            <a:r>
+              <a:rPr lang="ko-KR" altLang="en-US" dirty="0"/>
+              <a:t>리시브 쓰레드</a:t>
+            </a:r>
+          </a:p>
+        </p:txBody>
+      </p:sp>
+      <p:sp>
+        <p:nvSpPr>
+          <p:cNvPr id="5" name="직사각형 4">
+            <a:extLst>
+              <a:ext uri="{FF2B5EF4-FFF2-40B4-BE49-F238E27FC236}">
+                <a16:creationId xmlns:a16="http://schemas.microsoft.com/office/drawing/2014/main" id="{2D633BBE-C734-8298-EC82-D6489DF5BA5B}"/>
+              </a:ext>
+            </a:extLst>
+          </p:cNvPr>
+          <p:cNvSpPr/>
+          <p:nvPr/>
+        </p:nvSpPr>
+        <p:spPr>
+          <a:xfrm>
+            <a:off x="3187700" y="476828"/>
+            <a:ext cx="2179782" cy="1975428"/>
+          </a:xfrm>
+          <a:prstGeom prst="rect">
+            <a:avLst/>
+          </a:prstGeom>
+        </p:spPr>
+        <p:style>
+          <a:lnRef idx="2">
+            <a:schemeClr val="accent4">
+              <a:shade val="15000"/>
+            </a:schemeClr>
+          </a:lnRef>
+          <a:fillRef idx="1">
+            <a:schemeClr val="accent4"/>
+          </a:fillRef>
+          <a:effectRef idx="0">
+            <a:schemeClr val="accent4"/>
+          </a:effectRef>
+          <a:fontRef idx="minor">
+            <a:schemeClr val="lt1"/>
+          </a:fontRef>
+        </p:style>
+        <p:txBody>
+          <a:bodyPr rtlCol="0" anchor="ctr"/>
+          <a:lstStyle/>
+          <a:p>
+            <a:pPr algn="ctr"/>
+            <a:r>
+              <a:rPr lang="ko-KR" altLang="en-US" dirty="0"/>
+              <a:t>업데이트하고</a:t>
+            </a:r>
+            <a:endParaRPr lang="en-US" altLang="ko-KR" dirty="0"/>
+          </a:p>
+        </p:txBody>
+      </p:sp>
+      <p:sp>
+        <p:nvSpPr>
+          <p:cNvPr id="6" name="직사각형 5">
+            <a:extLst>
+              <a:ext uri="{FF2B5EF4-FFF2-40B4-BE49-F238E27FC236}">
+                <a16:creationId xmlns:a16="http://schemas.microsoft.com/office/drawing/2014/main" id="{F467279A-CB40-6A7E-DF5E-BFF28BDDCB5C}"/>
+              </a:ext>
+            </a:extLst>
+          </p:cNvPr>
+          <p:cNvSpPr/>
+          <p:nvPr/>
+        </p:nvSpPr>
+        <p:spPr>
+          <a:xfrm>
+            <a:off x="3187700" y="5643418"/>
+            <a:ext cx="2179782" cy="559956"/>
+          </a:xfrm>
+          <a:prstGeom prst="rect">
+            <a:avLst/>
+          </a:prstGeom>
+        </p:spPr>
+        <p:style>
+          <a:lnRef idx="2">
+            <a:schemeClr val="accent4">
+              <a:shade val="15000"/>
+            </a:schemeClr>
+          </a:lnRef>
+          <a:fillRef idx="1">
+            <a:schemeClr val="accent4"/>
+          </a:fillRef>
+          <a:effectRef idx="0">
+            <a:schemeClr val="accent4"/>
+          </a:effectRef>
+          <a:fontRef idx="minor">
+            <a:schemeClr val="lt1"/>
+          </a:fontRef>
+        </p:style>
+        <p:txBody>
+          <a:bodyPr rtlCol="0" anchor="ctr"/>
+          <a:lstStyle/>
+          <a:p>
+            <a:pPr algn="ctr"/>
+            <a:r>
+              <a:rPr lang="ko-KR" altLang="en-US" dirty="0"/>
+              <a:t>릴리즈</a:t>
+            </a:r>
+            <a:endParaRPr lang="en-US" altLang="ko-KR" dirty="0"/>
+          </a:p>
+        </p:txBody>
+      </p:sp>
+      <p:sp>
+        <p:nvSpPr>
+          <p:cNvPr id="7" name="직사각형 6">
+            <a:extLst>
+              <a:ext uri="{FF2B5EF4-FFF2-40B4-BE49-F238E27FC236}">
+                <a16:creationId xmlns:a16="http://schemas.microsoft.com/office/drawing/2014/main" id="{C1374308-2CE6-A618-F150-48CEF433CC8F}"/>
+              </a:ext>
+            </a:extLst>
+          </p:cNvPr>
+          <p:cNvSpPr/>
+          <p:nvPr/>
+        </p:nvSpPr>
+        <p:spPr>
+          <a:xfrm>
+            <a:off x="3187700" y="2586184"/>
+            <a:ext cx="2179782" cy="2948707"/>
+          </a:xfrm>
+          <a:prstGeom prst="rect">
+            <a:avLst/>
+          </a:prstGeom>
+        </p:spPr>
+        <p:style>
+          <a:lnRef idx="2">
+            <a:schemeClr val="accent4">
+              <a:shade val="15000"/>
+            </a:schemeClr>
+          </a:lnRef>
+          <a:fillRef idx="1">
+            <a:schemeClr val="accent4"/>
+          </a:fillRef>
+          <a:effectRef idx="0">
+            <a:schemeClr val="accent4"/>
+          </a:effectRef>
+          <a:fontRef idx="minor">
+            <a:schemeClr val="lt1"/>
+          </a:fontRef>
+        </p:style>
+        <p:txBody>
+          <a:bodyPr rtlCol="0" anchor="ctr"/>
+          <a:lstStyle/>
+          <a:p>
+            <a:pPr algn="ctr"/>
+            <a:r>
+              <a:rPr lang="ko-KR" altLang="en-US" dirty="0" err="1"/>
+              <a:t>랜더링하고</a:t>
+            </a:r>
+            <a:endParaRPr lang="en-US" altLang="ko-KR" dirty="0"/>
+          </a:p>
+        </p:txBody>
+      </p:sp>
+      <p:sp>
+        <p:nvSpPr>
+          <p:cNvPr id="8" name="직사각형 7">
+            <a:extLst>
+              <a:ext uri="{FF2B5EF4-FFF2-40B4-BE49-F238E27FC236}">
+                <a16:creationId xmlns:a16="http://schemas.microsoft.com/office/drawing/2014/main" id="{FECC8C6F-9FB7-1116-A324-1C403076F2A2}"/>
+              </a:ext>
+            </a:extLst>
+          </p:cNvPr>
+          <p:cNvSpPr/>
+          <p:nvPr/>
+        </p:nvSpPr>
+        <p:spPr>
+          <a:xfrm>
+            <a:off x="6923809" y="838200"/>
+            <a:ext cx="2179782" cy="4696691"/>
+          </a:xfrm>
+          <a:prstGeom prst="rect">
+            <a:avLst/>
+          </a:prstGeom>
+        </p:spPr>
+        <p:style>
+          <a:lnRef idx="2">
+            <a:schemeClr val="accent4">
+              <a:shade val="15000"/>
+            </a:schemeClr>
+          </a:lnRef>
+          <a:fillRef idx="1">
+            <a:schemeClr val="accent4"/>
+          </a:fillRef>
+          <a:effectRef idx="0">
+            <a:schemeClr val="accent4"/>
+          </a:effectRef>
+          <a:fontRef idx="minor">
+            <a:schemeClr val="lt1"/>
+          </a:fontRef>
+        </p:style>
+        <p:txBody>
+          <a:bodyPr rtlCol="0" anchor="ctr"/>
+          <a:lstStyle/>
+          <a:p>
+            <a:pPr algn="ctr"/>
+            <a:r>
+              <a:rPr lang="ko-KR" altLang="en-US" dirty="0"/>
+              <a:t>패킷 받아서 처리한다</a:t>
+            </a:r>
+            <a:r>
+              <a:rPr lang="en-US" altLang="ko-KR" dirty="0"/>
+              <a:t>.</a:t>
+            </a:r>
+          </a:p>
+          <a:p>
+            <a:pPr algn="ctr"/>
+            <a:endParaRPr lang="en-US" altLang="ko-KR" dirty="0"/>
+          </a:p>
+          <a:p>
+            <a:pPr algn="ctr"/>
+            <a:r>
+              <a:rPr lang="en-US" altLang="ko-KR" dirty="0"/>
+              <a:t> Create</a:t>
+            </a:r>
+          </a:p>
+        </p:txBody>
+      </p:sp>
+    </p:spTree>
+    <p:extLst>
+      <p:ext uri="{BB962C8B-B14F-4D97-AF65-F5344CB8AC3E}">
+        <p14:creationId xmlns:p14="http://schemas.microsoft.com/office/powerpoint/2010/main" val="4170408928"/>
+      </p:ext>
+    </p:extLst>
+  </p:cSld>
+  <p:clrMapOvr>
+    <a:masterClrMapping/>
+  </p:clrMapOvr>
+</p:sld>
+</file>
+
+<file path=ppt/slides/slide3.xml><?xml version="1.0" encoding="utf-8"?>
 <p:sld xmlns:a="http://schemas.openxmlformats.org/drawingml/2006/main" xmlns:r="http://schemas.openxmlformats.org/officeDocument/2006/relationships" xmlns:p="http://schemas.openxmlformats.org/presentationml/2006/main">
   <p:cSld>
     <p:spTree>
